--- a/Определение популярности геолокации для размещения банкомата Росбанка и его партнеров.pptx
+++ b/Определение популярности геолокации для размещения банкомата Росбанка и его партнеров.pptx
@@ -13,7 +13,8 @@
     <p:sldId id="265" r:id="rId7"/>
     <p:sldId id="266" r:id="rId8"/>
     <p:sldId id="267" r:id="rId9"/>
-    <p:sldId id="268" r:id="rId10"/>
+    <p:sldId id="269" r:id="rId10"/>
+    <p:sldId id="268" r:id="rId11"/>
   </p:sldIdLst>
   <p:sldSz cx="12192000" cy="6858000"/>
   <p:notesSz cx="6858000" cy="9144000"/>
@@ -112,6 +113,11 @@
       </a:defRPr>
     </a:lvl9pPr>
   </p:defaultTextStyle>
+  <p:extLst>
+    <p:ext uri="{EFAFB233-063F-42B5-8137-9DF3F51BA10A}">
+      <p15:sldGuideLst xmlns:p15="http://schemas.microsoft.com/office/powerpoint/2012/main"/>
+    </p:ext>
+  </p:extLst>
 </p:presentation>
 </file>
 
@@ -3345,8 +3351,8 @@
         </p:nvSpPr>
         <p:spPr>
           <a:xfrm>
-            <a:off x="2164417" y="1590676"/>
-            <a:ext cx="8520600" cy="2052600"/>
+            <a:off x="1962434" y="1644160"/>
+            <a:ext cx="8267132" cy="2016699"/>
           </a:xfrm>
           <a:prstGeom prst="rect">
             <a:avLst/>
@@ -3376,16 +3382,16 @@
             </a:lvl1pPr>
           </a:lstStyle>
           <a:p>
-            <a:pPr algn="l">
+            <a:pPr>
               <a:spcBef>
                 <a:spcPts val="0"/>
               </a:spcBef>
             </a:pPr>
             <a:r>
               <a:rPr lang="ru-RU" sz="3700" dirty="0">
-                <a:latin typeface="Bahnschrift Condensed" panose="020B0502040204020203" pitchFamily="34" charset="0"/>
+                <a:latin typeface="Times New Roman" panose="02020603050405020304" pitchFamily="18" charset="0"/>
                 <a:ea typeface="Comic Sans MS"/>
-                <a:cs typeface="Comic Sans MS"/>
+                <a:cs typeface="Times New Roman" panose="02020603050405020304" pitchFamily="18" charset="0"/>
                 <a:sym typeface="Comic Sans MS"/>
               </a:rPr>
               <a:t>Определение популярности геолокации для размещения банкомата Росбанка и его партнеров.</a:t>
@@ -3407,7 +3413,7 @@
         </p:nvSpPr>
         <p:spPr>
           <a:xfrm>
-            <a:off x="1184541" y="4814178"/>
+            <a:off x="1369179" y="4760774"/>
             <a:ext cx="4210519" cy="1013100"/>
           </a:xfrm>
           <a:prstGeom prst="rect">
@@ -3438,9 +3444,9 @@
                 <a:solidFill>
                   <a:schemeClr val="dk1"/>
                 </a:solidFill>
-                <a:latin typeface="Bahnschrift Condensed" panose="020B0502040204020203" pitchFamily="34" charset="0"/>
+                <a:latin typeface="Times New Roman" panose="02020603050405020304" pitchFamily="18" charset="0"/>
                 <a:ea typeface="Comic Sans MS"/>
-                <a:cs typeface="Comic Sans MS"/>
+                <a:cs typeface="Times New Roman" panose="02020603050405020304" pitchFamily="18" charset="0"/>
                 <a:sym typeface="Comic Sans MS"/>
               </a:rPr>
               <a:t>Слушатель: Дорошенко Елена</a:t>
@@ -3461,9 +3467,9 @@
                 <a:solidFill>
                   <a:schemeClr val="dk1"/>
                 </a:solidFill>
-                <a:latin typeface="Bahnschrift Condensed" panose="020B0502040204020203" pitchFamily="34" charset="0"/>
+                <a:latin typeface="Times New Roman" panose="02020603050405020304" pitchFamily="18" charset="0"/>
                 <a:ea typeface="Comic Sans MS"/>
-                <a:cs typeface="Comic Sans MS"/>
+                <a:cs typeface="Times New Roman" panose="02020603050405020304" pitchFamily="18" charset="0"/>
                 <a:sym typeface="Comic Sans MS"/>
               </a:rPr>
               <a:t>Руководи</a:t>
@@ -3473,9 +3479,9 @@
                 <a:solidFill>
                   <a:schemeClr val="dk1"/>
                 </a:solidFill>
-                <a:latin typeface="Bahnschrift Condensed" panose="020B0502040204020203" pitchFamily="34" charset="0"/>
+                <a:latin typeface="Times New Roman" panose="02020603050405020304" pitchFamily="18" charset="0"/>
                 <a:ea typeface="Comic Sans MS"/>
-                <a:cs typeface="Comic Sans MS"/>
+                <a:cs typeface="Times New Roman" panose="02020603050405020304" pitchFamily="18" charset="0"/>
                 <a:sym typeface="Comic Sans MS"/>
               </a:rPr>
               <a:t>тель: Паточенко Евгений</a:t>
@@ -3484,7 +3490,8 @@
               <a:solidFill>
                 <a:schemeClr val="dk2"/>
               </a:solidFill>
-              <a:latin typeface="Bahnschrift Condensed" panose="020B0502040204020203" pitchFamily="34" charset="0"/>
+              <a:latin typeface="Times New Roman" panose="02020603050405020304" pitchFamily="18" charset="0"/>
+              <a:cs typeface="Times New Roman" panose="02020603050405020304" pitchFamily="18" charset="0"/>
             </a:endParaRPr>
           </a:p>
         </p:txBody>
@@ -3503,8 +3510,8 @@
         </p:nvSpPr>
         <p:spPr>
           <a:xfrm>
-            <a:off x="5248299" y="6093069"/>
-            <a:ext cx="1435008" cy="369332"/>
+            <a:off x="5234418" y="6084276"/>
+            <a:ext cx="1723164" cy="369332"/>
           </a:xfrm>
           <a:prstGeom prst="rect">
             <a:avLst/>
@@ -3519,7 +3526,8 @@
           <a:p>
             <a:r>
               <a:rPr lang="ru-RU" dirty="0">
-                <a:latin typeface="Bahnschrift Condensed" panose="020B0502040204020203" pitchFamily="34" charset="0"/>
+                <a:latin typeface="Times New Roman" panose="02020603050405020304" pitchFamily="18" charset="0"/>
+                <a:cs typeface="Times New Roman" panose="02020603050405020304" pitchFamily="18" charset="0"/>
               </a:rPr>
               <a:t>23 августа 2025</a:t>
             </a:r>
@@ -3530,6 +3538,198 @@
     <p:extLst>
       <p:ext uri="{BB962C8B-B14F-4D97-AF65-F5344CB8AC3E}">
         <p14:creationId xmlns:p14="http://schemas.microsoft.com/office/powerpoint/2010/main" val="3144848824"/>
+      </p:ext>
+    </p:extLst>
+  </p:cSld>
+  <p:clrMapOvr>
+    <a:masterClrMapping/>
+  </p:clrMapOvr>
+</p:sld>
+</file>
+
+<file path=ppt/slides/slide10.xml><?xml version="1.0" encoding="utf-8"?>
+<p:sld xmlns:a="http://schemas.openxmlformats.org/drawingml/2006/main" xmlns:r="http://schemas.openxmlformats.org/officeDocument/2006/relationships" xmlns:p="http://schemas.openxmlformats.org/presentationml/2006/main">
+  <p:cSld>
+    <p:spTree>
+      <p:nvGrpSpPr>
+        <p:cNvPr id="1" name=""/>
+        <p:cNvGrpSpPr/>
+        <p:nvPr/>
+      </p:nvGrpSpPr>
+      <p:grpSpPr>
+        <a:xfrm>
+          <a:off x="0" y="0"/>
+          <a:ext cx="0" cy="0"/>
+          <a:chOff x="0" y="0"/>
+          <a:chExt cx="0" cy="0"/>
+        </a:xfrm>
+      </p:grpSpPr>
+      <p:sp>
+        <p:nvSpPr>
+          <p:cNvPr id="2" name="Заголовок 1">
+            <a:extLst>
+              <a:ext uri="{FF2B5EF4-FFF2-40B4-BE49-F238E27FC236}">
+                <a16:creationId xmlns:a16="http://schemas.microsoft.com/office/drawing/2014/main" id="{81AA39E2-9702-42FA-817C-F6B063B234A0}"/>
+              </a:ext>
+            </a:extLst>
+          </p:cNvPr>
+          <p:cNvSpPr>
+            <a:spLocks noGrp="1"/>
+          </p:cNvSpPr>
+          <p:nvPr>
+            <p:ph type="title"/>
+          </p:nvPr>
+        </p:nvSpPr>
+        <p:spPr>
+          <a:xfrm>
+            <a:off x="752474" y="365125"/>
+            <a:ext cx="10134601" cy="758825"/>
+          </a:xfrm>
+        </p:spPr>
+        <p:txBody>
+          <a:bodyPr>
+            <a:normAutofit/>
+          </a:bodyPr>
+          <a:lstStyle/>
+          <a:p>
+            <a:r>
+              <a:rPr lang="ru-RU" dirty="0">
+                <a:latin typeface="Times New Roman" panose="02020603050405020304" pitchFamily="18" charset="0"/>
+                <a:cs typeface="Times New Roman" panose="02020603050405020304" pitchFamily="18" charset="0"/>
+              </a:rPr>
+              <a:t>Возможное развитие проекта.</a:t>
+            </a:r>
+          </a:p>
+        </p:txBody>
+      </p:sp>
+      <p:sp>
+        <p:nvSpPr>
+          <p:cNvPr id="6" name="Объект 2">
+            <a:extLst>
+              <a:ext uri="{FF2B5EF4-FFF2-40B4-BE49-F238E27FC236}">
+                <a16:creationId xmlns:a16="http://schemas.microsoft.com/office/drawing/2014/main" id="{4A0551F0-3794-4ACF-80B3-740CF5224D92}"/>
+              </a:ext>
+            </a:extLst>
+          </p:cNvPr>
+          <p:cNvSpPr>
+            <a:spLocks noGrp="1"/>
+          </p:cNvSpPr>
+          <p:nvPr>
+            <p:ph idx="1"/>
+          </p:nvPr>
+        </p:nvSpPr>
+        <p:spPr>
+          <a:xfrm>
+            <a:off x="752474" y="1554393"/>
+            <a:ext cx="9906001" cy="4303482"/>
+          </a:xfrm>
+        </p:spPr>
+        <p:txBody>
+          <a:bodyPr>
+            <a:normAutofit lnSpcReduction="10000"/>
+          </a:bodyPr>
+          <a:lstStyle/>
+          <a:p>
+            <a:r>
+              <a:rPr lang="ru-RU" dirty="0">
+                <a:latin typeface="Times New Roman" panose="02020603050405020304" pitchFamily="18" charset="0"/>
+                <a:cs typeface="Times New Roman" panose="02020603050405020304" pitchFamily="18" charset="0"/>
+              </a:rPr>
+              <a:t>Увеличение и улучшение качества </a:t>
+            </a:r>
+            <a:r>
+              <a:rPr lang="ru-RU" dirty="0" err="1">
+                <a:latin typeface="Times New Roman" panose="02020603050405020304" pitchFamily="18" charset="0"/>
+                <a:cs typeface="Times New Roman" panose="02020603050405020304" pitchFamily="18" charset="0"/>
+              </a:rPr>
+              <a:t>датасета</a:t>
+            </a:r>
+            <a:r>
+              <a:rPr lang="ru-RU" dirty="0">
+                <a:latin typeface="Times New Roman" panose="02020603050405020304" pitchFamily="18" charset="0"/>
+                <a:cs typeface="Times New Roman" panose="02020603050405020304" pitchFamily="18" charset="0"/>
+              </a:rPr>
+              <a:t> с учетом конкретной бизнес-задачи.</a:t>
+            </a:r>
+            <a:r>
+              <a:rPr lang="en-US" dirty="0">
+                <a:latin typeface="Times New Roman" panose="02020603050405020304" pitchFamily="18" charset="0"/>
+                <a:cs typeface="Times New Roman" panose="02020603050405020304" pitchFamily="18" charset="0"/>
+              </a:rPr>
+              <a:t> </a:t>
+            </a:r>
+            <a:r>
+              <a:rPr lang="ru-RU" dirty="0">
+                <a:latin typeface="Times New Roman" panose="02020603050405020304" pitchFamily="18" charset="0"/>
+                <a:cs typeface="Times New Roman" panose="02020603050405020304" pitchFamily="18" charset="0"/>
+              </a:rPr>
+              <a:t>Сбор дополнительной информации о других банкоматах, сбор информации об окружении банкоматов по его координатам. Добавление новых признаков, обработка выбросов.</a:t>
+            </a:r>
+          </a:p>
+          <a:p>
+            <a:r>
+              <a:rPr lang="ru-RU" dirty="0">
+                <a:latin typeface="Times New Roman" panose="02020603050405020304" pitchFamily="18" charset="0"/>
+                <a:cs typeface="Times New Roman" panose="02020603050405020304" pitchFamily="18" charset="0"/>
+              </a:rPr>
+              <a:t>Добавление предобработки данных, поступающих для предсказания. Автоматический сбор всей информации для анализа по заданным координатам.</a:t>
+            </a:r>
+          </a:p>
+          <a:p>
+            <a:r>
+              <a:rPr lang="ru-RU" dirty="0">
+                <a:latin typeface="Times New Roman" panose="02020603050405020304" pitchFamily="18" charset="0"/>
+                <a:cs typeface="Times New Roman" panose="02020603050405020304" pitchFamily="18" charset="0"/>
+              </a:rPr>
+              <a:t>Создание интерфейса. Возможность выбирать геолокацию на карте. Добавление раздела с общими отчетами по регионам</a:t>
+            </a:r>
+            <a:r>
+              <a:rPr lang="en-US" dirty="0">
+                <a:latin typeface="Times New Roman" panose="02020603050405020304" pitchFamily="18" charset="0"/>
+                <a:cs typeface="Times New Roman" panose="02020603050405020304" pitchFamily="18" charset="0"/>
+              </a:rPr>
+              <a:t>/</a:t>
+            </a:r>
+            <a:r>
+              <a:rPr lang="ru-RU" dirty="0">
+                <a:latin typeface="Times New Roman" panose="02020603050405020304" pitchFamily="18" charset="0"/>
+                <a:cs typeface="Times New Roman" panose="02020603050405020304" pitchFamily="18" charset="0"/>
+              </a:rPr>
+              <a:t>городам</a:t>
+            </a:r>
+            <a:r>
+              <a:rPr lang="en-US" dirty="0">
+                <a:latin typeface="Times New Roman" panose="02020603050405020304" pitchFamily="18" charset="0"/>
+                <a:cs typeface="Times New Roman" panose="02020603050405020304" pitchFamily="18" charset="0"/>
+              </a:rPr>
+              <a:t>/</a:t>
+            </a:r>
+            <a:r>
+              <a:rPr lang="ru-RU" dirty="0">
+                <a:latin typeface="Times New Roman" panose="02020603050405020304" pitchFamily="18" charset="0"/>
+                <a:cs typeface="Times New Roman" panose="02020603050405020304" pitchFamily="18" charset="0"/>
+              </a:rPr>
+              <a:t>районам.</a:t>
+            </a:r>
+          </a:p>
+          <a:p>
+            <a:endParaRPr lang="ru-RU" dirty="0">
+              <a:latin typeface="Times New Roman" panose="02020603050405020304" pitchFamily="18" charset="0"/>
+              <a:cs typeface="Times New Roman" panose="02020603050405020304" pitchFamily="18" charset="0"/>
+            </a:endParaRPr>
+          </a:p>
+          <a:p>
+            <a:endParaRPr lang="ru-RU" dirty="0">
+              <a:latin typeface="Times New Roman" panose="02020603050405020304" pitchFamily="18" charset="0"/>
+              <a:cs typeface="Times New Roman" panose="02020603050405020304" pitchFamily="18" charset="0"/>
+            </a:endParaRPr>
+          </a:p>
+        </p:txBody>
+      </p:sp>
+    </p:spTree>
+    <p:extLst>
+      <p:ext uri="{BB962C8B-B14F-4D97-AF65-F5344CB8AC3E}">
+        <p14:creationId xmlns:p14="http://schemas.microsoft.com/office/powerpoint/2010/main" val="3071033836"/>
       </p:ext>
     </p:extLst>
   </p:cSld>
@@ -3579,12 +3779,15 @@
           </a:xfrm>
         </p:spPr>
         <p:txBody>
-          <a:bodyPr/>
+          <a:bodyPr>
+            <a:normAutofit fontScale="90000"/>
+          </a:bodyPr>
           <a:lstStyle/>
           <a:p>
             <a:r>
               <a:rPr lang="ru-RU" dirty="0">
-                <a:latin typeface="Bahnschrift Condensed" panose="020B0502040204020203" pitchFamily="34" charset="0"/>
+                <a:latin typeface="Times New Roman" panose="02020603050405020304" pitchFamily="18" charset="0"/>
+                <a:cs typeface="Times New Roman" panose="02020603050405020304" pitchFamily="18" charset="0"/>
               </a:rPr>
               <a:t>Постановка задачи</a:t>
             </a:r>
@@ -3618,113 +3821,109 @@
           <a:lstStyle/>
           <a:p>
             <a:r>
-              <a:rPr lang="ru-RU" dirty="0">
-                <a:latin typeface="Bahnschrift Condensed" panose="020B0502040204020203" pitchFamily="34" charset="0"/>
+              <a:rPr lang="ru-RU" sz="2600" dirty="0">
+                <a:latin typeface="Times New Roman" panose="02020603050405020304" pitchFamily="18" charset="0"/>
+                <a:cs typeface="Times New Roman" panose="02020603050405020304" pitchFamily="18" charset="0"/>
               </a:rPr>
               <a:t>Цель: Создать модель машинного обучения для предсказания популярности геолокации</a:t>
             </a:r>
           </a:p>
           <a:p>
             <a:r>
-              <a:rPr lang="ru-RU" dirty="0">
-                <a:latin typeface="Bahnschrift Condensed" panose="020B0502040204020203" pitchFamily="34" charset="0"/>
+              <a:rPr lang="ru-RU" sz="2600" dirty="0">
+                <a:latin typeface="Times New Roman" panose="02020603050405020304" pitchFamily="18" charset="0"/>
+                <a:cs typeface="Times New Roman" panose="02020603050405020304" pitchFamily="18" charset="0"/>
               </a:rPr>
               <a:t>Задача: Регрессионная задача - предсказание числового значения популярности (</a:t>
             </a:r>
             <a:r>
-              <a:rPr lang="ru-RU" dirty="0" err="1">
-                <a:latin typeface="Bahnschrift Condensed" panose="020B0502040204020203" pitchFamily="34" charset="0"/>
+              <a:rPr lang="ru-RU" sz="2600" dirty="0" err="1">
+                <a:latin typeface="Times New Roman" panose="02020603050405020304" pitchFamily="18" charset="0"/>
+                <a:cs typeface="Times New Roman" panose="02020603050405020304" pitchFamily="18" charset="0"/>
               </a:rPr>
               <a:t>target</a:t>
             </a:r>
             <a:r>
-              <a:rPr lang="ru-RU" dirty="0">
-                <a:latin typeface="Bahnschrift Condensed" panose="020B0502040204020203" pitchFamily="34" charset="0"/>
+              <a:rPr lang="ru-RU" sz="2600" dirty="0">
+                <a:latin typeface="Times New Roman" panose="02020603050405020304" pitchFamily="18" charset="0"/>
+                <a:cs typeface="Times New Roman" panose="02020603050405020304" pitchFamily="18" charset="0"/>
               </a:rPr>
               <a:t>)</a:t>
             </a:r>
           </a:p>
           <a:p>
             <a:r>
-              <a:rPr lang="ru-RU" dirty="0">
-                <a:latin typeface="Bahnschrift Condensed" panose="020B0502040204020203" pitchFamily="34" charset="0"/>
+              <a:rPr lang="ru-RU" sz="2600" dirty="0">
+                <a:latin typeface="Times New Roman" panose="02020603050405020304" pitchFamily="18" charset="0"/>
+                <a:cs typeface="Times New Roman" panose="02020603050405020304" pitchFamily="18" charset="0"/>
               </a:rPr>
               <a:t>Источник данных: Данные взяты из соревнования </a:t>
             </a:r>
             <a:r>
-              <a:rPr lang="en-US" dirty="0">
-                <a:latin typeface="Bahnschrift Condensed" panose="020B0502040204020203" pitchFamily="34" charset="0"/>
+              <a:rPr lang="en-US" sz="2600" dirty="0">
+                <a:latin typeface="Times New Roman" panose="02020603050405020304" pitchFamily="18" charset="0"/>
+                <a:cs typeface="Times New Roman" panose="02020603050405020304" pitchFamily="18" charset="0"/>
               </a:rPr>
               <a:t>Happy Data Year</a:t>
             </a:r>
             <a:r>
-              <a:rPr lang="ru-RU" dirty="0">
-                <a:latin typeface="Bahnschrift Condensed" panose="020B0502040204020203" pitchFamily="34" charset="0"/>
+              <a:rPr lang="ru-RU" sz="2600" dirty="0">
+                <a:latin typeface="Times New Roman" panose="02020603050405020304" pitchFamily="18" charset="0"/>
+                <a:cs typeface="Times New Roman" panose="02020603050405020304" pitchFamily="18" charset="0"/>
               </a:rPr>
               <a:t> (таблицу предоставил руководитель)</a:t>
             </a:r>
           </a:p>
           <a:p>
             <a:r>
-              <a:rPr lang="ru-RU" dirty="0">
-                <a:latin typeface="Bahnschrift Condensed" panose="020B0502040204020203" pitchFamily="34" charset="0"/>
+              <a:rPr lang="ru-RU" sz="2600" dirty="0">
+                <a:latin typeface="Times New Roman" panose="02020603050405020304" pitchFamily="18" charset="0"/>
+                <a:cs typeface="Times New Roman" panose="02020603050405020304" pitchFamily="18" charset="0"/>
               </a:rPr>
               <a:t>Для оценки качества выбрана метрика </a:t>
             </a:r>
             <a:r>
-              <a:rPr lang="en-US" dirty="0">
-                <a:effectLst/>
-                <a:latin typeface="Bahnschrift Condensed" panose="020B0502040204020203" pitchFamily="34" charset="0"/>
-                <a:ea typeface="Calibri" panose="020F0502020204030204" pitchFamily="34" charset="0"/>
-                <a:cs typeface="Times New Roman" panose="02020603050405020304" pitchFamily="18" charset="0"/>
-              </a:rPr>
-              <a:t>R</a:t>
-            </a:r>
-            <a:r>
-              <a:rPr lang="en-US" baseline="30000" dirty="0">
-                <a:effectLst/>
-                <a:latin typeface="Bahnschrift Condensed" panose="020B0502040204020203" pitchFamily="34" charset="0"/>
-                <a:ea typeface="Calibri" panose="020F0502020204030204" pitchFamily="34" charset="0"/>
-                <a:cs typeface="Times New Roman" panose="02020603050405020304" pitchFamily="18" charset="0"/>
-              </a:rPr>
-              <a:t>2</a:t>
-            </a:r>
-            <a:r>
-              <a:rPr lang="ru-RU" dirty="0">
-                <a:latin typeface="Bahnschrift Condensed" panose="020B0502040204020203" pitchFamily="34" charset="0"/>
+              <a:rPr lang="en-US" sz="2600" dirty="0">
+                <a:latin typeface="Times New Roman" panose="02020603050405020304" pitchFamily="18" charset="0"/>
+                <a:cs typeface="Times New Roman" panose="02020603050405020304" pitchFamily="18" charset="0"/>
+              </a:rPr>
+              <a:t>R2</a:t>
+            </a:r>
+            <a:r>
+              <a:rPr lang="ru-RU" sz="2600" dirty="0">
+                <a:latin typeface="Times New Roman" panose="02020603050405020304" pitchFamily="18" charset="0"/>
+                <a:cs typeface="Times New Roman" panose="02020603050405020304" pitchFamily="18" charset="0"/>
               </a:rPr>
               <a:t>, т.к. она ограничена справа, это удобно для оценки. Но она не показывает абсолютную величину ошибки, поэтому были использованы еще и метрики </a:t>
             </a:r>
             <a:r>
-              <a:rPr lang="en-US" dirty="0">
-                <a:latin typeface="Bahnschrift Condensed" panose="020B0502040204020203" pitchFamily="34" charset="0"/>
+              <a:rPr lang="en-US" sz="2600" dirty="0">
+                <a:latin typeface="Times New Roman" panose="02020603050405020304" pitchFamily="18" charset="0"/>
+                <a:cs typeface="Times New Roman" panose="02020603050405020304" pitchFamily="18" charset="0"/>
               </a:rPr>
               <a:t>RMSE </a:t>
             </a:r>
             <a:r>
-              <a:rPr lang="ru-RU" dirty="0">
-                <a:latin typeface="Bahnschrift Condensed" panose="020B0502040204020203" pitchFamily="34" charset="0"/>
+              <a:rPr lang="ru-RU" sz="2600" dirty="0">
+                <a:latin typeface="Times New Roman" panose="02020603050405020304" pitchFamily="18" charset="0"/>
+                <a:cs typeface="Times New Roman" panose="02020603050405020304" pitchFamily="18" charset="0"/>
               </a:rPr>
               <a:t>и</a:t>
             </a:r>
             <a:r>
-              <a:rPr lang="en-US" dirty="0">
-                <a:latin typeface="Bahnschrift Condensed" panose="020B0502040204020203" pitchFamily="34" charset="0"/>
+              <a:rPr lang="en-US" sz="2600" dirty="0">
+                <a:latin typeface="Times New Roman" panose="02020603050405020304" pitchFamily="18" charset="0"/>
+                <a:cs typeface="Times New Roman" panose="02020603050405020304" pitchFamily="18" charset="0"/>
               </a:rPr>
               <a:t> MAE</a:t>
             </a:r>
             <a:r>
-              <a:rPr lang="ru-RU" dirty="0">
-                <a:latin typeface="Bahnschrift Condensed" panose="020B0502040204020203" pitchFamily="34" charset="0"/>
+              <a:rPr lang="ru-RU" sz="2600" dirty="0">
+                <a:latin typeface="Times New Roman" panose="02020603050405020304" pitchFamily="18" charset="0"/>
+                <a:cs typeface="Times New Roman" panose="02020603050405020304" pitchFamily="18" charset="0"/>
               </a:rPr>
               <a:t>.</a:t>
             </a:r>
-            <a:endParaRPr lang="ru-RU" dirty="0">
-              <a:effectLst/>
-              <a:latin typeface="Bahnschrift Condensed" panose="020B0502040204020203" pitchFamily="34" charset="0"/>
-              <a:ea typeface="Calibri" panose="020F0502020204030204" pitchFamily="34" charset="0"/>
-              <a:cs typeface="Times New Roman" panose="02020603050405020304" pitchFamily="18" charset="0"/>
-            </a:endParaRPr>
           </a:p>
           <a:p>
             <a:endParaRPr lang="ru-RU" dirty="0">
@@ -3800,8 +3999,9 @@
           <a:lstStyle/>
           <a:p>
             <a:r>
-              <a:rPr lang="ru-RU" dirty="0">
-                <a:latin typeface="Bahnschrift Condensed" panose="020B0502040204020203" pitchFamily="34" charset="0"/>
+              <a:rPr lang="ru-RU" sz="4000" dirty="0">
+                <a:latin typeface="Times New Roman" panose="02020603050405020304" pitchFamily="18" charset="0"/>
+                <a:cs typeface="Times New Roman" panose="02020603050405020304" pitchFamily="18" charset="0"/>
               </a:rPr>
               <a:t>Описание данных</a:t>
             </a:r>
@@ -3832,33 +4032,37 @@
         </p:spPr>
         <p:txBody>
           <a:bodyPr>
-            <a:normAutofit/>
+            <a:normAutofit fontScale="92500"/>
           </a:bodyPr>
           <a:lstStyle/>
           <a:p>
             <a:r>
               <a:rPr lang="ru-RU" dirty="0">
-                <a:latin typeface="Bahnschrift Condensed" panose="020B0502040204020203" pitchFamily="34" charset="0"/>
+                <a:latin typeface="Times New Roman" panose="02020603050405020304" pitchFamily="18" charset="0"/>
+                <a:cs typeface="Times New Roman" panose="02020603050405020304" pitchFamily="18" charset="0"/>
               </a:rPr>
               <a:t>В обучающей выборке находятся данные о </a:t>
             </a:r>
             <a:r>
               <a:rPr lang="ru-RU" dirty="0" err="1">
-                <a:latin typeface="Bahnschrift Condensed" panose="020B0502040204020203" pitchFamily="34" charset="0"/>
+                <a:latin typeface="Times New Roman" panose="02020603050405020304" pitchFamily="18" charset="0"/>
+                <a:cs typeface="Times New Roman" panose="02020603050405020304" pitchFamily="18" charset="0"/>
               </a:rPr>
               <a:t>геопозиции</a:t>
             </a:r>
             <a:r>
               <a:rPr lang="ru-RU" dirty="0">
-                <a:latin typeface="Bahnschrift Condensed" panose="020B0502040204020203" pitchFamily="34" charset="0"/>
-              </a:rPr>
-              <a:t> шести тысяч банкоматов банка и его партнеров, а также целевая переменная — индекс популярности банкомата.</a:t>
+                <a:latin typeface="Times New Roman" panose="02020603050405020304" pitchFamily="18" charset="0"/>
+                <a:cs typeface="Times New Roman" panose="02020603050405020304" pitchFamily="18" charset="0"/>
+              </a:rPr>
+              <a:t> шести тысяч банкоматов Росбанка и его партнеров, а также целевая переменная — индекс популярности банкомата.</a:t>
             </a:r>
           </a:p>
           <a:p>
             <a:r>
               <a:rPr lang="ru-RU" dirty="0">
-                <a:latin typeface="Bahnschrift Condensed" panose="020B0502040204020203" pitchFamily="34" charset="0"/>
+                <a:latin typeface="Times New Roman" panose="02020603050405020304" pitchFamily="18" charset="0"/>
+                <a:cs typeface="Times New Roman" panose="02020603050405020304" pitchFamily="18" charset="0"/>
               </a:rPr>
               <a:t>Пропущенные значения: Некоторые признаки имеют высокий процент пропусков. Такие признаки были удалены. С меньшим процентом пропуска – заполнены медианой или средним.</a:t>
             </a:r>
@@ -3866,15 +4070,31 @@
           <a:p>
             <a:r>
               <a:rPr lang="ru-RU" dirty="0" err="1">
-                <a:latin typeface="Bahnschrift Condensed" panose="020B0502040204020203" pitchFamily="34" charset="0"/>
+                <a:latin typeface="Times New Roman" panose="02020603050405020304" pitchFamily="18" charset="0"/>
+                <a:cs typeface="Times New Roman" panose="02020603050405020304" pitchFamily="18" charset="0"/>
               </a:rPr>
               <a:t>Таргет</a:t>
             </a:r>
             <a:r>
               <a:rPr lang="ru-RU" dirty="0">
-                <a:latin typeface="Bahnschrift Condensed" panose="020B0502040204020203" pitchFamily="34" charset="0"/>
-              </a:rPr>
-              <a:t> имеет практически нормальное распределение, но медиана находится около 0. </a:t>
+                <a:latin typeface="Times New Roman" panose="02020603050405020304" pitchFamily="18" charset="0"/>
+                <a:cs typeface="Times New Roman" panose="02020603050405020304" pitchFamily="18" charset="0"/>
+              </a:rPr>
+              <a:t> имеет практически нормальное распределение, </a:t>
+            </a:r>
+            <a:r>
+              <a:rPr lang="en-US" dirty="0">
+                <a:latin typeface="Times New Roman" panose="02020603050405020304" pitchFamily="18" charset="0"/>
+                <a:cs typeface="Times New Roman" panose="02020603050405020304" pitchFamily="18" charset="0"/>
+              </a:rPr>
+              <a:t>c</a:t>
+            </a:r>
+            <a:r>
+              <a:rPr lang="ru-RU" dirty="0">
+                <a:latin typeface="Times New Roman" panose="02020603050405020304" pitchFamily="18" charset="0"/>
+                <a:cs typeface="Times New Roman" panose="02020603050405020304" pitchFamily="18" charset="0"/>
+              </a:rPr>
+              <a:t> медианой около 0. </a:t>
             </a:r>
           </a:p>
           <a:p>
@@ -3944,7 +4164,7 @@
         <p:spPr>
           <a:xfrm>
             <a:off x="752474" y="327025"/>
-            <a:ext cx="5181601" cy="930275"/>
+            <a:ext cx="6466011" cy="930275"/>
           </a:xfrm>
         </p:spPr>
         <p:txBody>
@@ -3954,19 +4174,22 @@
           <a:lstStyle/>
           <a:p>
             <a:r>
-              <a:rPr lang="ru-RU" dirty="0">
-                <a:latin typeface="Bahnschrift Condensed" panose="020B0502040204020203" pitchFamily="34" charset="0"/>
+              <a:rPr lang="ru-RU" sz="4000" dirty="0">
+                <a:latin typeface="Times New Roman" panose="02020603050405020304" pitchFamily="18" charset="0"/>
+                <a:cs typeface="Times New Roman" panose="02020603050405020304" pitchFamily="18" charset="0"/>
               </a:rPr>
               <a:t>Описание данных. </a:t>
             </a:r>
             <a:r>
-              <a:rPr lang="en-US" dirty="0">
-                <a:latin typeface="Bahnschrift Condensed" panose="020B0502040204020203" pitchFamily="34" charset="0"/>
+              <a:rPr lang="en-US" sz="4000" dirty="0">
+                <a:latin typeface="Times New Roman" panose="02020603050405020304" pitchFamily="18" charset="0"/>
+                <a:cs typeface="Times New Roman" panose="02020603050405020304" pitchFamily="18" charset="0"/>
               </a:rPr>
               <a:t>Target</a:t>
             </a:r>
-            <a:endParaRPr lang="ru-RU" dirty="0">
-              <a:latin typeface="Bahnschrift Condensed" panose="020B0502040204020203" pitchFamily="34" charset="0"/>
+            <a:endParaRPr lang="ru-RU" sz="4000" dirty="0">
+              <a:latin typeface="Times New Roman" panose="02020603050405020304" pitchFamily="18" charset="0"/>
+              <a:cs typeface="Times New Roman" panose="02020603050405020304" pitchFamily="18" charset="0"/>
             </a:endParaRPr>
           </a:p>
         </p:txBody>
@@ -3999,37 +4222,43 @@
           <a:p>
             <a:r>
               <a:rPr lang="ru-RU" dirty="0" err="1">
-                <a:latin typeface="Bahnschrift Condensed" panose="020B0502040204020203" pitchFamily="34" charset="0"/>
+                <a:latin typeface="Times New Roman" panose="02020603050405020304" pitchFamily="18" charset="0"/>
+                <a:cs typeface="Times New Roman" panose="02020603050405020304" pitchFamily="18" charset="0"/>
               </a:rPr>
               <a:t>Таргет</a:t>
             </a:r>
             <a:r>
               <a:rPr lang="ru-RU" dirty="0">
-                <a:latin typeface="Bahnschrift Condensed" panose="020B0502040204020203" pitchFamily="34" charset="0"/>
+                <a:latin typeface="Times New Roman" panose="02020603050405020304" pitchFamily="18" charset="0"/>
+                <a:cs typeface="Times New Roman" panose="02020603050405020304" pitchFamily="18" charset="0"/>
               </a:rPr>
               <a:t> имеет практически нормальное распределение. Определен на отрезке </a:t>
             </a:r>
             <a:r>
               <a:rPr lang="en-US" dirty="0">
-                <a:latin typeface="Bahnschrift Condensed" panose="020B0502040204020203" pitchFamily="34" charset="0"/>
+                <a:latin typeface="Times New Roman" panose="02020603050405020304" pitchFamily="18" charset="0"/>
+                <a:cs typeface="Times New Roman" panose="02020603050405020304" pitchFamily="18" charset="0"/>
               </a:rPr>
               <a:t>[-0,145, 0,219] </a:t>
             </a:r>
             <a:r>
               <a:rPr lang="ru-RU" dirty="0">
-                <a:latin typeface="Bahnschrift Condensed" panose="020B0502040204020203" pitchFamily="34" charset="0"/>
+                <a:latin typeface="Times New Roman" panose="02020603050405020304" pitchFamily="18" charset="0"/>
+                <a:cs typeface="Times New Roman" panose="02020603050405020304" pitchFamily="18" charset="0"/>
               </a:rPr>
               <a:t>с средним значением </a:t>
             </a:r>
             <a:r>
               <a:rPr lang="en-US" dirty="0">
-                <a:latin typeface="Bahnschrift Condensed" panose="020B0502040204020203" pitchFamily="34" charset="0"/>
+                <a:latin typeface="Times New Roman" panose="02020603050405020304" pitchFamily="18" charset="0"/>
+                <a:cs typeface="Times New Roman" panose="02020603050405020304" pitchFamily="18" charset="0"/>
               </a:rPr>
               <a:t>0,000531.</a:t>
             </a:r>
             <a:r>
               <a:rPr lang="ru-RU" dirty="0">
-                <a:latin typeface="Bahnschrift Condensed" panose="020B0502040204020203" pitchFamily="34" charset="0"/>
+                <a:latin typeface="Times New Roman" panose="02020603050405020304" pitchFamily="18" charset="0"/>
+                <a:cs typeface="Times New Roman" panose="02020603050405020304" pitchFamily="18" charset="0"/>
               </a:rPr>
               <a:t> Имеет выброс около значения 0,2. См. график</a:t>
             </a:r>
@@ -4039,7 +4268,8 @@
               <a:buNone/>
             </a:pPr>
             <a:endParaRPr lang="ru-RU" dirty="0">
-              <a:latin typeface="Bahnschrift Condensed" panose="020B0502040204020203" pitchFamily="34" charset="0"/>
+              <a:latin typeface="Times New Roman" panose="02020603050405020304" pitchFamily="18" charset="0"/>
+              <a:cs typeface="Times New Roman" panose="02020603050405020304" pitchFamily="18" charset="0"/>
             </a:endParaRPr>
           </a:p>
           <a:p>
@@ -4141,31 +4371,36 @@
           <a:lstStyle/>
           <a:p>
             <a:r>
-              <a:rPr lang="ru-RU" dirty="0">
-                <a:latin typeface="Bahnschrift Condensed" panose="020B0502040204020203" pitchFamily="34" charset="0"/>
+              <a:rPr lang="ru-RU" sz="4000" dirty="0">
+                <a:latin typeface="Times New Roman" panose="02020603050405020304" pitchFamily="18" charset="0"/>
+                <a:cs typeface="Times New Roman" panose="02020603050405020304" pitchFamily="18" charset="0"/>
               </a:rPr>
               <a:t>Описание данных</a:t>
             </a:r>
             <a:r>
-              <a:rPr lang="en-US" dirty="0">
-                <a:latin typeface="Bahnschrift Condensed" panose="020B0502040204020203" pitchFamily="34" charset="0"/>
+              <a:rPr lang="en-US" sz="4000" dirty="0">
+                <a:latin typeface="Times New Roman" panose="02020603050405020304" pitchFamily="18" charset="0"/>
+                <a:cs typeface="Times New Roman" panose="02020603050405020304" pitchFamily="18" charset="0"/>
               </a:rPr>
               <a:t>. </a:t>
             </a:r>
             <a:r>
-              <a:rPr lang="ru-RU" dirty="0">
-                <a:latin typeface="Bahnschrift Condensed" panose="020B0502040204020203" pitchFamily="34" charset="0"/>
+              <a:rPr lang="ru-RU" sz="4000" dirty="0">
+                <a:latin typeface="Times New Roman" panose="02020603050405020304" pitchFamily="18" charset="0"/>
+                <a:cs typeface="Times New Roman" panose="02020603050405020304" pitchFamily="18" charset="0"/>
               </a:rPr>
               <a:t>Признак </a:t>
             </a:r>
             <a:r>
-              <a:rPr lang="en-US" dirty="0" err="1">
-                <a:latin typeface="Bahnschrift Condensed" panose="020B0502040204020203" pitchFamily="34" charset="0"/>
+              <a:rPr lang="en-US" sz="4000" dirty="0" err="1">
+                <a:latin typeface="Times New Roman" panose="02020603050405020304" pitchFamily="18" charset="0"/>
+                <a:cs typeface="Times New Roman" panose="02020603050405020304" pitchFamily="18" charset="0"/>
               </a:rPr>
               <a:t>atm_group</a:t>
             </a:r>
-            <a:endParaRPr lang="ru-RU" dirty="0">
-              <a:latin typeface="Bahnschrift Condensed" panose="020B0502040204020203" pitchFamily="34" charset="0"/>
+            <a:endParaRPr lang="ru-RU" sz="4000" dirty="0">
+              <a:latin typeface="Times New Roman" panose="02020603050405020304" pitchFamily="18" charset="0"/>
+              <a:cs typeface="Times New Roman" panose="02020603050405020304" pitchFamily="18" charset="0"/>
             </a:endParaRPr>
           </a:p>
         </p:txBody>
@@ -4200,42 +4435,49 @@
           <a:p>
             <a:r>
               <a:rPr lang="ru-RU" dirty="0" err="1">
-                <a:latin typeface="Bahnschrift Condensed" panose="020B0502040204020203" pitchFamily="34" charset="0"/>
+                <a:latin typeface="Times New Roman" panose="02020603050405020304" pitchFamily="18" charset="0"/>
+                <a:cs typeface="Times New Roman" panose="02020603050405020304" pitchFamily="18" charset="0"/>
               </a:rPr>
               <a:t>atm_group</a:t>
             </a:r>
             <a:r>
               <a:rPr lang="ru-RU" dirty="0">
-                <a:latin typeface="Bahnschrift Condensed" panose="020B0502040204020203" pitchFamily="34" charset="0"/>
+                <a:latin typeface="Times New Roman" panose="02020603050405020304" pitchFamily="18" charset="0"/>
+                <a:cs typeface="Times New Roman" panose="02020603050405020304" pitchFamily="18" charset="0"/>
               </a:rPr>
               <a:t> — группа, к которой относится банкомат</a:t>
             </a:r>
             <a:endParaRPr lang="en-US" dirty="0">
-              <a:latin typeface="Bahnschrift Condensed" panose="020B0502040204020203" pitchFamily="34" charset="0"/>
+              <a:latin typeface="Times New Roman" panose="02020603050405020304" pitchFamily="18" charset="0"/>
+              <a:cs typeface="Times New Roman" panose="02020603050405020304" pitchFamily="18" charset="0"/>
             </a:endParaRPr>
           </a:p>
           <a:p>
             <a:r>
               <a:rPr lang="ru-RU" dirty="0">
-                <a:latin typeface="Bahnschrift Condensed" panose="020B0502040204020203" pitchFamily="34" charset="0"/>
+                <a:latin typeface="Times New Roman" panose="02020603050405020304" pitchFamily="18" charset="0"/>
+                <a:cs typeface="Times New Roman" panose="02020603050405020304" pitchFamily="18" charset="0"/>
               </a:rPr>
               <a:t>Признак имеет сильный перекос в сторону группы «Росбанк». Он имеет значительно более высокие значения </a:t>
             </a:r>
             <a:r>
               <a:rPr lang="ru-RU" dirty="0" err="1">
-                <a:latin typeface="Bahnschrift Condensed" panose="020B0502040204020203" pitchFamily="34" charset="0"/>
+                <a:latin typeface="Times New Roman" panose="02020603050405020304" pitchFamily="18" charset="0"/>
+                <a:cs typeface="Times New Roman" panose="02020603050405020304" pitchFamily="18" charset="0"/>
               </a:rPr>
               <a:t>target</a:t>
             </a:r>
             <a:r>
               <a:rPr lang="en-US" dirty="0">
-                <a:latin typeface="Bahnschrift Condensed" panose="020B0502040204020203" pitchFamily="34" charset="0"/>
+                <a:latin typeface="Times New Roman" panose="02020603050405020304" pitchFamily="18" charset="0"/>
+                <a:cs typeface="Times New Roman" panose="02020603050405020304" pitchFamily="18" charset="0"/>
               </a:rPr>
               <a:t>. </a:t>
             </a:r>
             <a:r>
               <a:rPr lang="ru-RU" dirty="0">
-                <a:latin typeface="Bahnschrift Condensed" panose="020B0502040204020203" pitchFamily="34" charset="0"/>
+                <a:latin typeface="Times New Roman" panose="02020603050405020304" pitchFamily="18" charset="0"/>
+                <a:cs typeface="Times New Roman" panose="02020603050405020304" pitchFamily="18" charset="0"/>
               </a:rPr>
               <a:t>Модели могут переобучаться на этом признаке. Поэтому были применены методы по сглаживанию этого перекоса.</a:t>
             </a:r>
@@ -4326,18 +4568,20 @@
         </p:spPr>
         <p:txBody>
           <a:bodyPr>
-            <a:normAutofit/>
+            <a:normAutofit fontScale="90000"/>
           </a:bodyPr>
           <a:lstStyle/>
           <a:p>
             <a:r>
               <a:rPr lang="ru-RU" sz="4400" dirty="0">
-                <a:latin typeface="Bahnschrift Condensed" panose="020B0502040204020203" pitchFamily="34" charset="0"/>
+                <a:latin typeface="Times New Roman" panose="02020603050405020304" pitchFamily="18" charset="0"/>
+                <a:cs typeface="Times New Roman" panose="02020603050405020304" pitchFamily="18" charset="0"/>
               </a:rPr>
               <a:t>Используемые модели</a:t>
             </a:r>
             <a:endParaRPr lang="ru-RU" dirty="0">
-              <a:latin typeface="Bahnschrift Condensed" panose="020B0502040204020203" pitchFamily="34" charset="0"/>
+              <a:latin typeface="Times New Roman" panose="02020603050405020304" pitchFamily="18" charset="0"/>
+              <a:cs typeface="Times New Roman" panose="02020603050405020304" pitchFamily="18" charset="0"/>
             </a:endParaRPr>
           </a:p>
         </p:txBody>
@@ -4360,8 +4604,8 @@
         </p:nvSpPr>
         <p:spPr>
           <a:xfrm>
-            <a:off x="666749" y="1285875"/>
-            <a:ext cx="11268075" cy="5195888"/>
+            <a:off x="666749" y="1301261"/>
+            <a:ext cx="11651274" cy="5180501"/>
           </a:xfrm>
         </p:spPr>
         <p:txBody>
@@ -4370,343 +4614,436 @@
           </a:bodyPr>
           <a:lstStyle/>
           <a:p>
-            <a:pPr marL="0" indent="0">
+            <a:pPr marL="36000" indent="0">
               <a:lnSpc>
                 <a:spcPct val="50000"/>
               </a:lnSpc>
+              <a:spcBef>
+                <a:spcPts val="800"/>
+              </a:spcBef>
               <a:buNone/>
             </a:pPr>
             <a:r>
-              <a:rPr lang="ru-RU" dirty="0">
-                <a:latin typeface="Bahnschrift Condensed" panose="020B0502040204020203" pitchFamily="34" charset="0"/>
+              <a:rPr lang="ru-RU" sz="2600" dirty="0">
+                <a:latin typeface="Times New Roman" panose="02020603050405020304" pitchFamily="18" charset="0"/>
+                <a:cs typeface="Times New Roman" panose="02020603050405020304" pitchFamily="18" charset="0"/>
               </a:rPr>
               <a:t>Линейные модели:</a:t>
             </a:r>
           </a:p>
           <a:p>
-            <a:pPr>
+            <a:pPr marL="36000">
               <a:lnSpc>
                 <a:spcPct val="50000"/>
               </a:lnSpc>
+              <a:spcBef>
+                <a:spcPts val="800"/>
+              </a:spcBef>
             </a:pPr>
             <a:r>
-              <a:rPr lang="en-US" dirty="0">
-                <a:latin typeface="Bahnschrift Condensed" panose="020B0502040204020203" pitchFamily="34" charset="0"/>
+              <a:rPr lang="en-US" sz="2600" dirty="0">
+                <a:latin typeface="Times New Roman" panose="02020603050405020304" pitchFamily="18" charset="0"/>
+                <a:cs typeface="Times New Roman" panose="02020603050405020304" pitchFamily="18" charset="0"/>
               </a:rPr>
               <a:t>Linear Regression: </a:t>
             </a:r>
             <a:r>
-              <a:rPr lang="ru-RU" dirty="0">
-                <a:latin typeface="Bahnschrift Condensed" panose="020B0502040204020203" pitchFamily="34" charset="0"/>
+              <a:rPr lang="ru-RU" sz="2600" dirty="0">
+                <a:latin typeface="Times New Roman" panose="02020603050405020304" pitchFamily="18" charset="0"/>
+                <a:cs typeface="Times New Roman" panose="02020603050405020304" pitchFamily="18" charset="0"/>
               </a:rPr>
               <a:t>Базовая модель без регуляризации</a:t>
             </a:r>
           </a:p>
           <a:p>
-            <a:pPr>
+            <a:pPr marL="36000">
               <a:lnSpc>
                 <a:spcPct val="50000"/>
               </a:lnSpc>
+              <a:spcBef>
+                <a:spcPts val="800"/>
+              </a:spcBef>
             </a:pPr>
             <a:r>
-              <a:rPr lang="en-US" dirty="0">
-                <a:latin typeface="Bahnschrift Condensed" panose="020B0502040204020203" pitchFamily="34" charset="0"/>
+              <a:rPr lang="en-US" sz="2600" dirty="0">
+                <a:latin typeface="Times New Roman" panose="02020603050405020304" pitchFamily="18" charset="0"/>
+                <a:cs typeface="Times New Roman" panose="02020603050405020304" pitchFamily="18" charset="0"/>
               </a:rPr>
               <a:t>Ridge Regression: L2 </a:t>
             </a:r>
             <a:r>
-              <a:rPr lang="ru-RU" dirty="0">
-                <a:latin typeface="Bahnschrift Condensed" panose="020B0502040204020203" pitchFamily="34" charset="0"/>
-              </a:rPr>
-              <a:t>регуляризация для борьбы с </a:t>
-            </a:r>
-            <a:r>
-              <a:rPr lang="ru-RU" dirty="0" err="1">
-                <a:latin typeface="Bahnschrift Condensed" panose="020B0502040204020203" pitchFamily="34" charset="0"/>
+              <a:rPr lang="ru-RU" sz="2600" dirty="0">
+                <a:latin typeface="Times New Roman" panose="02020603050405020304" pitchFamily="18" charset="0"/>
+                <a:cs typeface="Times New Roman" panose="02020603050405020304" pitchFamily="18" charset="0"/>
+              </a:rPr>
+              <a:t>регуляризация для борьбы с</a:t>
+            </a:r>
+            <a:r>
+              <a:rPr lang="en-US" sz="2600" dirty="0">
+                <a:latin typeface="Times New Roman" panose="02020603050405020304" pitchFamily="18" charset="0"/>
+                <a:cs typeface="Times New Roman" panose="02020603050405020304" pitchFamily="18" charset="0"/>
+              </a:rPr>
+              <a:t> </a:t>
+            </a:r>
+            <a:r>
+              <a:rPr lang="ru-RU" sz="2600" dirty="0" err="1">
+                <a:latin typeface="Times New Roman" panose="02020603050405020304" pitchFamily="18" charset="0"/>
+                <a:cs typeface="Times New Roman" panose="02020603050405020304" pitchFamily="18" charset="0"/>
               </a:rPr>
               <a:t>мультиколлинеарностью</a:t>
             </a:r>
-            <a:endParaRPr lang="ru-RU" dirty="0">
-              <a:latin typeface="Bahnschrift Condensed" panose="020B0502040204020203" pitchFamily="34" charset="0"/>
+            <a:endParaRPr lang="ru-RU" sz="2600" dirty="0">
+              <a:latin typeface="Times New Roman" panose="02020603050405020304" pitchFamily="18" charset="0"/>
+              <a:cs typeface="Times New Roman" panose="02020603050405020304" pitchFamily="18" charset="0"/>
             </a:endParaRPr>
           </a:p>
           <a:p>
-            <a:pPr>
+            <a:pPr marL="36000">
               <a:lnSpc>
                 <a:spcPct val="50000"/>
               </a:lnSpc>
+              <a:spcBef>
+                <a:spcPts val="800"/>
+              </a:spcBef>
             </a:pPr>
             <a:r>
-              <a:rPr lang="en-US" dirty="0">
-                <a:latin typeface="Bahnschrift Condensed" panose="020B0502040204020203" pitchFamily="34" charset="0"/>
+              <a:rPr lang="en-US" sz="2600" dirty="0">
+                <a:latin typeface="Times New Roman" panose="02020603050405020304" pitchFamily="18" charset="0"/>
+                <a:cs typeface="Times New Roman" panose="02020603050405020304" pitchFamily="18" charset="0"/>
               </a:rPr>
               <a:t>Lasso Regression: L1 </a:t>
             </a:r>
             <a:r>
-              <a:rPr lang="ru-RU" dirty="0">
-                <a:latin typeface="Bahnschrift Condensed" panose="020B0502040204020203" pitchFamily="34" charset="0"/>
+              <a:rPr lang="ru-RU" sz="2600" dirty="0">
+                <a:latin typeface="Times New Roman" panose="02020603050405020304" pitchFamily="18" charset="0"/>
+                <a:cs typeface="Times New Roman" panose="02020603050405020304" pitchFamily="18" charset="0"/>
               </a:rPr>
               <a:t>регуляризация для отбора признаков</a:t>
             </a:r>
-            <a:endParaRPr lang="en-US" dirty="0">
-              <a:latin typeface="Bahnschrift Condensed" panose="020B0502040204020203" pitchFamily="34" charset="0"/>
+            <a:endParaRPr lang="en-US" sz="2600" dirty="0">
+              <a:latin typeface="Times New Roman" panose="02020603050405020304" pitchFamily="18" charset="0"/>
+              <a:cs typeface="Times New Roman" panose="02020603050405020304" pitchFamily="18" charset="0"/>
             </a:endParaRPr>
           </a:p>
           <a:p>
-            <a:pPr>
+            <a:pPr marL="36000">
               <a:lnSpc>
                 <a:spcPct val="50000"/>
               </a:lnSpc>
+              <a:spcBef>
+                <a:spcPts val="800"/>
+              </a:spcBef>
             </a:pPr>
-            <a:endParaRPr lang="ru-RU" dirty="0">
-              <a:latin typeface="Bahnschrift Condensed" panose="020B0502040204020203" pitchFamily="34" charset="0"/>
+            <a:endParaRPr lang="ru-RU" sz="2600" dirty="0">
+              <a:latin typeface="Times New Roman" panose="02020603050405020304" pitchFamily="18" charset="0"/>
+              <a:cs typeface="Times New Roman" panose="02020603050405020304" pitchFamily="18" charset="0"/>
             </a:endParaRPr>
           </a:p>
           <a:p>
-            <a:pPr marL="0" indent="0">
+            <a:pPr marL="36000" indent="0">
               <a:lnSpc>
                 <a:spcPct val="50000"/>
               </a:lnSpc>
+              <a:spcBef>
+                <a:spcPts val="800"/>
+              </a:spcBef>
               <a:buNone/>
             </a:pPr>
             <a:r>
-              <a:rPr lang="ru-RU" dirty="0">
-                <a:latin typeface="Bahnschrift Condensed" panose="020B0502040204020203" pitchFamily="34" charset="0"/>
+              <a:rPr lang="ru-RU" sz="2600" dirty="0">
+                <a:latin typeface="Times New Roman" panose="02020603050405020304" pitchFamily="18" charset="0"/>
+                <a:cs typeface="Times New Roman" panose="02020603050405020304" pitchFamily="18" charset="0"/>
               </a:rPr>
               <a:t>Ансамблевые модели:</a:t>
             </a:r>
           </a:p>
           <a:p>
-            <a:pPr>
+            <a:pPr marL="36000">
               <a:lnSpc>
                 <a:spcPct val="50000"/>
               </a:lnSpc>
+              <a:spcBef>
+                <a:spcPts val="800"/>
+              </a:spcBef>
             </a:pPr>
             <a:r>
-              <a:rPr lang="en-US" dirty="0">
-                <a:latin typeface="Bahnschrift Condensed" panose="020B0502040204020203" pitchFamily="34" charset="0"/>
+              <a:rPr lang="en-US" sz="2600" dirty="0">
+                <a:latin typeface="Times New Roman" panose="02020603050405020304" pitchFamily="18" charset="0"/>
+                <a:cs typeface="Times New Roman" panose="02020603050405020304" pitchFamily="18" charset="0"/>
               </a:rPr>
               <a:t>Random Forest: </a:t>
             </a:r>
             <a:r>
-              <a:rPr lang="ru-RU" dirty="0">
-                <a:latin typeface="Bahnschrift Condensed" panose="020B0502040204020203" pitchFamily="34" charset="0"/>
+              <a:rPr lang="ru-RU" sz="2600" dirty="0">
+                <a:latin typeface="Times New Roman" panose="02020603050405020304" pitchFamily="18" charset="0"/>
+                <a:cs typeface="Times New Roman" panose="02020603050405020304" pitchFamily="18" charset="0"/>
               </a:rPr>
               <a:t>Случайный лес с контролем глубины</a:t>
             </a:r>
           </a:p>
           <a:p>
-            <a:pPr>
+            <a:pPr marL="36000">
               <a:lnSpc>
                 <a:spcPct val="50000"/>
               </a:lnSpc>
+              <a:spcBef>
+                <a:spcPts val="800"/>
+              </a:spcBef>
             </a:pPr>
             <a:r>
-              <a:rPr lang="en-US" dirty="0">
-                <a:latin typeface="Bahnschrift Condensed" panose="020B0502040204020203" pitchFamily="34" charset="0"/>
+              <a:rPr lang="en-US" sz="2600" dirty="0">
+                <a:latin typeface="Times New Roman" panose="02020603050405020304" pitchFamily="18" charset="0"/>
+                <a:cs typeface="Times New Roman" panose="02020603050405020304" pitchFamily="18" charset="0"/>
               </a:rPr>
               <a:t>Gradient Boosting: </a:t>
             </a:r>
             <a:r>
-              <a:rPr lang="ru-RU" dirty="0">
-                <a:latin typeface="Bahnschrift Condensed" panose="020B0502040204020203" pitchFamily="34" charset="0"/>
+              <a:rPr lang="ru-RU" sz="2600" dirty="0">
+                <a:latin typeface="Times New Roman" panose="02020603050405020304" pitchFamily="18" charset="0"/>
+                <a:cs typeface="Times New Roman" panose="02020603050405020304" pitchFamily="18" charset="0"/>
               </a:rPr>
               <a:t>Градиентный </a:t>
             </a:r>
             <a:r>
-              <a:rPr lang="ru-RU" dirty="0" err="1">
-                <a:latin typeface="Bahnschrift Condensed" panose="020B0502040204020203" pitchFamily="34" charset="0"/>
+              <a:rPr lang="ru-RU" sz="2600" dirty="0" err="1">
+                <a:latin typeface="Times New Roman" panose="02020603050405020304" pitchFamily="18" charset="0"/>
+                <a:cs typeface="Times New Roman" panose="02020603050405020304" pitchFamily="18" charset="0"/>
               </a:rPr>
               <a:t>бустинг</a:t>
             </a:r>
             <a:r>
-              <a:rPr lang="ru-RU" dirty="0">
-                <a:latin typeface="Bahnschrift Condensed" panose="020B0502040204020203" pitchFamily="34" charset="0"/>
+              <a:rPr lang="ru-RU" sz="2600" dirty="0">
+                <a:latin typeface="Times New Roman" panose="02020603050405020304" pitchFamily="18" charset="0"/>
+                <a:cs typeface="Times New Roman" panose="02020603050405020304" pitchFamily="18" charset="0"/>
               </a:rPr>
               <a:t> с регуляризацией</a:t>
             </a:r>
           </a:p>
           <a:p>
-            <a:pPr>
+            <a:pPr marL="36000">
               <a:lnSpc>
                 <a:spcPct val="50000"/>
               </a:lnSpc>
+              <a:spcBef>
+                <a:spcPts val="800"/>
+              </a:spcBef>
             </a:pPr>
             <a:r>
-              <a:rPr lang="en-US" dirty="0" err="1">
-                <a:latin typeface="Bahnschrift Condensed" panose="020B0502040204020203" pitchFamily="34" charset="0"/>
+              <a:rPr lang="en-US" sz="2600" dirty="0" err="1">
+                <a:latin typeface="Times New Roman" panose="02020603050405020304" pitchFamily="18" charset="0"/>
+                <a:cs typeface="Times New Roman" panose="02020603050405020304" pitchFamily="18" charset="0"/>
               </a:rPr>
               <a:t>XGBoost</a:t>
             </a:r>
             <a:r>
-              <a:rPr lang="en-US" dirty="0">
-                <a:latin typeface="Bahnschrift Condensed" panose="020B0502040204020203" pitchFamily="34" charset="0"/>
+              <a:rPr lang="en-US" sz="2600" dirty="0">
+                <a:latin typeface="Times New Roman" panose="02020603050405020304" pitchFamily="18" charset="0"/>
+                <a:cs typeface="Times New Roman" panose="02020603050405020304" pitchFamily="18" charset="0"/>
               </a:rPr>
               <a:t>: </a:t>
             </a:r>
             <a:r>
-              <a:rPr lang="ru-RU" dirty="0">
-                <a:latin typeface="Bahnschrift Condensed" panose="020B0502040204020203" pitchFamily="34" charset="0"/>
+              <a:rPr lang="ru-RU" sz="2600" dirty="0">
+                <a:latin typeface="Times New Roman" panose="02020603050405020304" pitchFamily="18" charset="0"/>
+                <a:cs typeface="Times New Roman" panose="02020603050405020304" pitchFamily="18" charset="0"/>
               </a:rPr>
               <a:t>Экстремальный градиентный </a:t>
             </a:r>
             <a:r>
-              <a:rPr lang="ru-RU" dirty="0" err="1">
-                <a:latin typeface="Bahnschrift Condensed" panose="020B0502040204020203" pitchFamily="34" charset="0"/>
+              <a:rPr lang="ru-RU" sz="2600" dirty="0" err="1">
+                <a:latin typeface="Times New Roman" panose="02020603050405020304" pitchFamily="18" charset="0"/>
+                <a:cs typeface="Times New Roman" panose="02020603050405020304" pitchFamily="18" charset="0"/>
               </a:rPr>
               <a:t>бустинг</a:t>
             </a:r>
-            <a:endParaRPr lang="ru-RU" dirty="0">
-              <a:latin typeface="Bahnschrift Condensed" panose="020B0502040204020203" pitchFamily="34" charset="0"/>
+            <a:endParaRPr lang="ru-RU" sz="2600" dirty="0">
+              <a:latin typeface="Times New Roman" panose="02020603050405020304" pitchFamily="18" charset="0"/>
+              <a:cs typeface="Times New Roman" panose="02020603050405020304" pitchFamily="18" charset="0"/>
             </a:endParaRPr>
           </a:p>
           <a:p>
-            <a:pPr>
+            <a:pPr marL="36000">
               <a:lnSpc>
                 <a:spcPct val="50000"/>
               </a:lnSpc>
+              <a:spcBef>
+                <a:spcPts val="800"/>
+              </a:spcBef>
             </a:pPr>
             <a:r>
-              <a:rPr lang="en-US" dirty="0" err="1">
-                <a:latin typeface="Bahnschrift Condensed" panose="020B0502040204020203" pitchFamily="34" charset="0"/>
+              <a:rPr lang="en-US" sz="2600" dirty="0" err="1">
+                <a:latin typeface="Times New Roman" panose="02020603050405020304" pitchFamily="18" charset="0"/>
+                <a:cs typeface="Times New Roman" panose="02020603050405020304" pitchFamily="18" charset="0"/>
               </a:rPr>
               <a:t>LightGBM</a:t>
             </a:r>
             <a:r>
-              <a:rPr lang="en-US" dirty="0">
-                <a:latin typeface="Bahnschrift Condensed" panose="020B0502040204020203" pitchFamily="34" charset="0"/>
+              <a:rPr lang="en-US" sz="2600" dirty="0">
+                <a:latin typeface="Times New Roman" panose="02020603050405020304" pitchFamily="18" charset="0"/>
+                <a:cs typeface="Times New Roman" panose="02020603050405020304" pitchFamily="18" charset="0"/>
               </a:rPr>
               <a:t>: </a:t>
             </a:r>
             <a:r>
-              <a:rPr lang="ru-RU" dirty="0">
-                <a:latin typeface="Bahnschrift Condensed" panose="020B0502040204020203" pitchFamily="34" charset="0"/>
+              <a:rPr lang="ru-RU" sz="2600" dirty="0">
+                <a:latin typeface="Times New Roman" panose="02020603050405020304" pitchFamily="18" charset="0"/>
+                <a:cs typeface="Times New Roman" panose="02020603050405020304" pitchFamily="18" charset="0"/>
               </a:rPr>
               <a:t>Легкий градиентный </a:t>
             </a:r>
             <a:r>
-              <a:rPr lang="ru-RU" dirty="0" err="1">
-                <a:latin typeface="Bahnschrift Condensed" panose="020B0502040204020203" pitchFamily="34" charset="0"/>
+              <a:rPr lang="ru-RU" sz="2600" dirty="0" err="1">
+                <a:latin typeface="Times New Roman" panose="02020603050405020304" pitchFamily="18" charset="0"/>
+                <a:cs typeface="Times New Roman" panose="02020603050405020304" pitchFamily="18" charset="0"/>
               </a:rPr>
               <a:t>бустинг</a:t>
             </a:r>
-            <a:endParaRPr lang="ru-RU" dirty="0">
-              <a:latin typeface="Bahnschrift Condensed" panose="020B0502040204020203" pitchFamily="34" charset="0"/>
+            <a:endParaRPr lang="ru-RU" sz="2600" dirty="0">
+              <a:latin typeface="Times New Roman" panose="02020603050405020304" pitchFamily="18" charset="0"/>
+              <a:cs typeface="Times New Roman" panose="02020603050405020304" pitchFamily="18" charset="0"/>
             </a:endParaRPr>
           </a:p>
           <a:p>
-            <a:pPr>
+            <a:pPr marL="36000">
               <a:lnSpc>
                 <a:spcPct val="50000"/>
               </a:lnSpc>
+              <a:spcBef>
+                <a:spcPts val="800"/>
+              </a:spcBef>
             </a:pPr>
             <a:r>
-              <a:rPr lang="en-US" dirty="0" err="1">
-                <a:latin typeface="Bahnschrift Condensed" panose="020B0502040204020203" pitchFamily="34" charset="0"/>
+              <a:rPr lang="en-US" sz="2600" dirty="0" err="1">
+                <a:latin typeface="Times New Roman" panose="02020603050405020304" pitchFamily="18" charset="0"/>
+                <a:cs typeface="Times New Roman" panose="02020603050405020304" pitchFamily="18" charset="0"/>
               </a:rPr>
               <a:t>CatBoost</a:t>
             </a:r>
             <a:r>
-              <a:rPr lang="en-US" dirty="0">
-                <a:latin typeface="Bahnschrift Condensed" panose="020B0502040204020203" pitchFamily="34" charset="0"/>
+              <a:rPr lang="en-US" sz="2600" dirty="0">
+                <a:latin typeface="Times New Roman" panose="02020603050405020304" pitchFamily="18" charset="0"/>
+                <a:cs typeface="Times New Roman" panose="02020603050405020304" pitchFamily="18" charset="0"/>
               </a:rPr>
               <a:t>: </a:t>
             </a:r>
             <a:r>
-              <a:rPr lang="ru-RU" dirty="0">
-                <a:latin typeface="Bahnschrift Condensed" panose="020B0502040204020203" pitchFamily="34" charset="0"/>
+              <a:rPr lang="ru-RU" sz="2600" dirty="0">
+                <a:latin typeface="Times New Roman" panose="02020603050405020304" pitchFamily="18" charset="0"/>
+                <a:cs typeface="Times New Roman" panose="02020603050405020304" pitchFamily="18" charset="0"/>
               </a:rPr>
               <a:t>Категориальный </a:t>
             </a:r>
             <a:r>
-              <a:rPr lang="ru-RU" dirty="0" err="1">
-                <a:latin typeface="Bahnschrift Condensed" panose="020B0502040204020203" pitchFamily="34" charset="0"/>
+              <a:rPr lang="ru-RU" sz="2600" dirty="0" err="1">
+                <a:latin typeface="Times New Roman" panose="02020603050405020304" pitchFamily="18" charset="0"/>
+                <a:cs typeface="Times New Roman" panose="02020603050405020304" pitchFamily="18" charset="0"/>
               </a:rPr>
               <a:t>бустинг</a:t>
             </a:r>
-            <a:endParaRPr lang="ru-RU" dirty="0">
-              <a:latin typeface="Bahnschrift Condensed" panose="020B0502040204020203" pitchFamily="34" charset="0"/>
+            <a:endParaRPr lang="ru-RU" sz="2600" dirty="0">
+              <a:latin typeface="Times New Roman" panose="02020603050405020304" pitchFamily="18" charset="0"/>
+              <a:cs typeface="Times New Roman" panose="02020603050405020304" pitchFamily="18" charset="0"/>
             </a:endParaRPr>
           </a:p>
           <a:p>
-            <a:pPr>
+            <a:pPr marL="36000">
               <a:lnSpc>
                 <a:spcPct val="50000"/>
               </a:lnSpc>
+              <a:spcBef>
+                <a:spcPts val="800"/>
+              </a:spcBef>
             </a:pPr>
             <a:r>
-              <a:rPr lang="en-US" dirty="0">
-                <a:latin typeface="Bahnschrift Condensed" panose="020B0502040204020203" pitchFamily="34" charset="0"/>
+              <a:rPr lang="en-US" sz="2600" dirty="0">
+                <a:latin typeface="Times New Roman" panose="02020603050405020304" pitchFamily="18" charset="0"/>
+                <a:cs typeface="Times New Roman" panose="02020603050405020304" pitchFamily="18" charset="0"/>
               </a:rPr>
               <a:t>Stacking Regressor: </a:t>
             </a:r>
             <a:r>
-              <a:rPr lang="ru-RU" dirty="0">
-                <a:latin typeface="Bahnschrift Condensed" panose="020B0502040204020203" pitchFamily="34" charset="0"/>
+              <a:rPr lang="ru-RU" sz="2600" dirty="0">
+                <a:latin typeface="Times New Roman" panose="02020603050405020304" pitchFamily="18" charset="0"/>
+                <a:cs typeface="Times New Roman" panose="02020603050405020304" pitchFamily="18" charset="0"/>
               </a:rPr>
               <a:t>Ансамбль из </a:t>
             </a:r>
             <a:r>
-              <a:rPr lang="en-US" dirty="0">
-                <a:latin typeface="Bahnschrift Condensed" panose="020B0502040204020203" pitchFamily="34" charset="0"/>
+              <a:rPr lang="en-US" sz="2600" dirty="0">
+                <a:latin typeface="Times New Roman" panose="02020603050405020304" pitchFamily="18" charset="0"/>
+                <a:cs typeface="Times New Roman" panose="02020603050405020304" pitchFamily="18" charset="0"/>
               </a:rPr>
               <a:t>Ridge, Lasso </a:t>
             </a:r>
             <a:r>
-              <a:rPr lang="ru-RU" dirty="0">
-                <a:latin typeface="Bahnschrift Condensed" panose="020B0502040204020203" pitchFamily="34" charset="0"/>
+              <a:rPr lang="ru-RU" sz="2600" dirty="0">
+                <a:latin typeface="Times New Roman" panose="02020603050405020304" pitchFamily="18" charset="0"/>
+                <a:cs typeface="Times New Roman" panose="02020603050405020304" pitchFamily="18" charset="0"/>
               </a:rPr>
               <a:t>и </a:t>
             </a:r>
             <a:r>
-              <a:rPr lang="en-US" dirty="0">
-                <a:latin typeface="Bahnschrift Condensed" panose="020B0502040204020203" pitchFamily="34" charset="0"/>
+              <a:rPr lang="en-US" sz="2600" dirty="0">
+                <a:latin typeface="Times New Roman" panose="02020603050405020304" pitchFamily="18" charset="0"/>
+                <a:cs typeface="Times New Roman" panose="02020603050405020304" pitchFamily="18" charset="0"/>
               </a:rPr>
               <a:t>Random Forest</a:t>
             </a:r>
           </a:p>
           <a:p>
-            <a:pPr>
+            <a:pPr marL="36000">
               <a:lnSpc>
                 <a:spcPct val="50000"/>
               </a:lnSpc>
+              <a:spcBef>
+                <a:spcPts val="800"/>
+              </a:spcBef>
             </a:pPr>
-            <a:endParaRPr lang="en-US" dirty="0">
-              <a:latin typeface="Bahnschrift Condensed" panose="020B0502040204020203" pitchFamily="34" charset="0"/>
+            <a:endParaRPr lang="en-US" sz="2600" dirty="0">
+              <a:latin typeface="Times New Roman" panose="02020603050405020304" pitchFamily="18" charset="0"/>
+              <a:cs typeface="Times New Roman" panose="02020603050405020304" pitchFamily="18" charset="0"/>
             </a:endParaRPr>
           </a:p>
           <a:p>
-            <a:pPr>
+            <a:pPr marL="36000">
               <a:lnSpc>
                 <a:spcPct val="50000"/>
               </a:lnSpc>
+              <a:spcBef>
+                <a:spcPts val="800"/>
+              </a:spcBef>
             </a:pPr>
             <a:r>
-              <a:rPr lang="en-US" dirty="0">
-                <a:latin typeface="Bahnschrift Condensed" panose="020B0502040204020203" pitchFamily="34" charset="0"/>
+              <a:rPr lang="en-US" sz="2600" dirty="0">
+                <a:latin typeface="Times New Roman" panose="02020603050405020304" pitchFamily="18" charset="0"/>
+                <a:cs typeface="Times New Roman" panose="02020603050405020304" pitchFamily="18" charset="0"/>
               </a:rPr>
               <a:t>Neural Network: </a:t>
             </a:r>
             <a:r>
-              <a:rPr lang="ru-RU" dirty="0">
-                <a:latin typeface="Bahnschrift Condensed" panose="020B0502040204020203" pitchFamily="34" charset="0"/>
+              <a:rPr lang="ru-RU" sz="2600" dirty="0">
+                <a:latin typeface="Times New Roman" panose="02020603050405020304" pitchFamily="18" charset="0"/>
+                <a:cs typeface="Times New Roman" panose="02020603050405020304" pitchFamily="18" charset="0"/>
               </a:rPr>
               <a:t>Многослойный персептрон (</a:t>
             </a:r>
             <a:r>
-              <a:rPr lang="en-US" dirty="0" err="1">
-                <a:latin typeface="Bahnschrift Condensed" panose="020B0502040204020203" pitchFamily="34" charset="0"/>
+              <a:rPr lang="en-US" sz="2600" dirty="0" err="1">
+                <a:latin typeface="Times New Roman" panose="02020603050405020304" pitchFamily="18" charset="0"/>
+                <a:cs typeface="Times New Roman" panose="02020603050405020304" pitchFamily="18" charset="0"/>
               </a:rPr>
               <a:t>MLPRegressor</a:t>
             </a:r>
             <a:r>
-              <a:rPr lang="en-US" dirty="0">
-                <a:latin typeface="Bahnschrift Condensed" panose="020B0502040204020203" pitchFamily="34" charset="0"/>
+              <a:rPr lang="en-US" sz="2600" dirty="0">
+                <a:latin typeface="Times New Roman" panose="02020603050405020304" pitchFamily="18" charset="0"/>
+                <a:cs typeface="Times New Roman" panose="02020603050405020304" pitchFamily="18" charset="0"/>
               </a:rPr>
               <a:t>)</a:t>
             </a:r>
-            <a:endParaRPr lang="ru-RU" dirty="0">
-              <a:latin typeface="Bahnschrift Condensed" panose="020B0502040204020203" pitchFamily="34" charset="0"/>
+            <a:endParaRPr lang="ru-RU" sz="2600" dirty="0">
+              <a:latin typeface="Times New Roman" panose="02020603050405020304" pitchFamily="18" charset="0"/>
+              <a:cs typeface="Times New Roman" panose="02020603050405020304" pitchFamily="18" charset="0"/>
             </a:endParaRPr>
           </a:p>
         </p:txBody>
@@ -4759,31 +5096,23 @@
         </p:nvSpPr>
         <p:spPr>
           <a:xfrm>
-            <a:off x="666749" y="241300"/>
-            <a:ext cx="5181601" cy="930275"/>
+            <a:off x="666748" y="151164"/>
+            <a:ext cx="11201401" cy="930275"/>
           </a:xfrm>
         </p:spPr>
         <p:txBody>
           <a:bodyPr>
-            <a:normAutofit/>
+            <a:noAutofit/>
           </a:bodyPr>
           <a:lstStyle/>
           <a:p>
             <a:r>
-              <a:rPr lang="ru-RU" dirty="0">
-                <a:latin typeface="Bahnschrift Condensed" panose="020B0502040204020203" pitchFamily="34" charset="0"/>
-              </a:rPr>
-              <a:t>Сравнение </a:t>
-            </a:r>
-            <a:r>
-              <a:rPr lang="ru-RU" sz="4400" dirty="0">
-                <a:latin typeface="Bahnschrift Condensed" panose="020B0502040204020203" pitchFamily="34" charset="0"/>
-              </a:rPr>
-              <a:t>моделей</a:t>
-            </a:r>
-            <a:endParaRPr lang="ru-RU" dirty="0">
-              <a:latin typeface="Bahnschrift Condensed" panose="020B0502040204020203" pitchFamily="34" charset="0"/>
-            </a:endParaRPr>
+              <a:rPr lang="ru-RU" sz="3800" dirty="0">
+                <a:latin typeface="Times New Roman" panose="02020603050405020304" pitchFamily="18" charset="0"/>
+                <a:cs typeface="Times New Roman" panose="02020603050405020304" pitchFamily="18" charset="0"/>
+              </a:rPr>
+              <a:t>Результат проделанной работы. Сравнение моделей</a:t>
+            </a:r>
           </a:p>
         </p:txBody>
       </p:sp>
@@ -4809,7 +5138,7 @@
         </p:blipFill>
         <p:spPr>
           <a:xfrm>
-            <a:off x="1628774" y="1890712"/>
+            <a:off x="1628774" y="1921578"/>
             <a:ext cx="8658225" cy="4348657"/>
           </a:xfrm>
           <a:prstGeom prst="rect">
@@ -4833,8 +5162,8 @@
         </p:nvSpPr>
         <p:spPr>
           <a:xfrm>
-            <a:off x="666749" y="1070434"/>
-            <a:ext cx="9034463" cy="930275"/>
+            <a:off x="666748" y="1081439"/>
+            <a:ext cx="9686927" cy="930275"/>
           </a:xfrm>
           <a:prstGeom prst="rect">
             <a:avLst/>
@@ -5014,18 +5343,61 @@
             </a:pPr>
             <a:r>
               <a:rPr lang="ru-RU" dirty="0">
-                <a:latin typeface="Bahnschrift Condensed" panose="020B0502040204020203" pitchFamily="34" charset="0"/>
-              </a:rPr>
-              <a:t>Лучше всех себя показала модель </a:t>
+                <a:latin typeface="Times New Roman" panose="02020603050405020304" pitchFamily="18" charset="0"/>
+                <a:cs typeface="Times New Roman" panose="02020603050405020304" pitchFamily="18" charset="0"/>
+              </a:rPr>
+              <a:t>Лучшим алгоритмом стал </a:t>
             </a:r>
             <a:r>
               <a:rPr lang="en-US" dirty="0">
-                <a:latin typeface="Bahnschrift Condensed" panose="020B0502040204020203" pitchFamily="34" charset="0"/>
+                <a:latin typeface="Times New Roman" panose="02020603050405020304" pitchFamily="18" charset="0"/>
+                <a:cs typeface="Times New Roman" panose="02020603050405020304" pitchFamily="18" charset="0"/>
               </a:rPr>
               <a:t>Stacking Regressor</a:t>
             </a:r>
+            <a:r>
+              <a:rPr lang="ru-RU" dirty="0">
+                <a:latin typeface="Times New Roman" panose="02020603050405020304" pitchFamily="18" charset="0"/>
+                <a:cs typeface="Times New Roman" panose="02020603050405020304" pitchFamily="18" charset="0"/>
+              </a:rPr>
+              <a:t>. Ансамбль моделей </a:t>
+            </a:r>
+            <a:r>
+              <a:rPr lang="en-US" dirty="0">
+                <a:latin typeface="Times New Roman" panose="02020603050405020304" pitchFamily="18" charset="0"/>
+                <a:cs typeface="Times New Roman" panose="02020603050405020304" pitchFamily="18" charset="0"/>
+              </a:rPr>
+              <a:t>Ridge Regression, Lasso Regression </a:t>
+            </a:r>
+            <a:r>
+              <a:rPr lang="ru-RU" dirty="0">
+                <a:latin typeface="Times New Roman" panose="02020603050405020304" pitchFamily="18" charset="0"/>
+                <a:cs typeface="Times New Roman" panose="02020603050405020304" pitchFamily="18" charset="0"/>
+              </a:rPr>
+              <a:t>и </a:t>
+            </a:r>
+            <a:r>
+              <a:rPr lang="en-US" dirty="0">
+                <a:latin typeface="Times New Roman" panose="02020603050405020304" pitchFamily="18" charset="0"/>
+                <a:cs typeface="Times New Roman" panose="02020603050405020304" pitchFamily="18" charset="0"/>
+              </a:rPr>
+              <a:t>Random Forest</a:t>
+            </a:r>
+            <a:r>
+              <a:rPr lang="ru-RU" dirty="0">
+                <a:latin typeface="Times New Roman" panose="02020603050405020304" pitchFamily="18" charset="0"/>
+                <a:cs typeface="Times New Roman" panose="02020603050405020304" pitchFamily="18" charset="0"/>
+              </a:rPr>
+              <a:t>.</a:t>
+            </a:r>
+          </a:p>
+          <a:p>
+            <a:pPr marL="0" indent="0">
+              <a:buNone/>
+            </a:pPr>
             <a:endParaRPr lang="ru-RU" dirty="0">
-              <a:latin typeface="Bahnschrift Condensed" panose="020B0502040204020203" pitchFamily="34" charset="0"/>
+              <a:latin typeface="Times New Roman" panose="02020603050405020304" pitchFamily="18" charset="0"/>
+              <a:cs typeface="Times New Roman" panose="02020603050405020304" pitchFamily="18" charset="0"/>
             </a:endParaRPr>
           </a:p>
           <a:p>
@@ -5084,20 +5456,21 @@
         <p:spPr>
           <a:xfrm>
             <a:off x="666749" y="241300"/>
-            <a:ext cx="5181601" cy="930275"/>
+            <a:ext cx="11115676" cy="930275"/>
           </a:xfrm>
         </p:spPr>
         <p:txBody>
           <a:bodyPr>
-            <a:normAutofit/>
+            <a:noAutofit/>
           </a:bodyPr>
           <a:lstStyle/>
           <a:p>
             <a:r>
-              <a:rPr lang="ru-RU" dirty="0">
-                <a:latin typeface="Bahnschrift Condensed" panose="020B0502040204020203" pitchFamily="34" charset="0"/>
-              </a:rPr>
-              <a:t>Описание модели</a:t>
+              <a:rPr lang="ru-RU" sz="4000" dirty="0">
+                <a:latin typeface="Times New Roman" panose="02020603050405020304" pitchFamily="18" charset="0"/>
+                <a:cs typeface="Times New Roman" panose="02020603050405020304" pitchFamily="18" charset="0"/>
+              </a:rPr>
+              <a:t>Результат проделанной работы. Описание модели</a:t>
             </a:r>
           </a:p>
         </p:txBody>
@@ -5126,13 +5499,14 @@
         </p:spPr>
         <p:txBody>
           <a:bodyPr>
-            <a:normAutofit/>
+            <a:normAutofit lnSpcReduction="10000"/>
           </a:bodyPr>
           <a:lstStyle/>
           <a:p>
             <a:r>
               <a:rPr lang="ru-RU" dirty="0">
-                <a:latin typeface="Bahnschrift Condensed" panose="020B0502040204020203" pitchFamily="34" charset="0"/>
+                <a:latin typeface="Times New Roman" panose="02020603050405020304" pitchFamily="18" charset="0"/>
+                <a:cs typeface="Times New Roman" panose="02020603050405020304" pitchFamily="18" charset="0"/>
               </a:rPr>
               <a:t>Обработаны плохо заполненные признаки</a:t>
             </a:r>
@@ -5140,89 +5514,104 @@
           <a:p>
             <a:r>
               <a:rPr lang="ru-RU" dirty="0">
-                <a:latin typeface="Bahnschrift Condensed" panose="020B0502040204020203" pitchFamily="34" charset="0"/>
+                <a:latin typeface="Times New Roman" panose="02020603050405020304" pitchFamily="18" charset="0"/>
+                <a:cs typeface="Times New Roman" panose="02020603050405020304" pitchFamily="18" charset="0"/>
               </a:rPr>
               <a:t>Снижена важность признака </a:t>
             </a:r>
             <a:r>
               <a:rPr lang="en-US" dirty="0" err="1">
-                <a:latin typeface="Bahnschrift Condensed" panose="020B0502040204020203" pitchFamily="34" charset="0"/>
+                <a:latin typeface="Times New Roman" panose="02020603050405020304" pitchFamily="18" charset="0"/>
+                <a:cs typeface="Times New Roman" panose="02020603050405020304" pitchFamily="18" charset="0"/>
               </a:rPr>
               <a:t>atm_group</a:t>
             </a:r>
             <a:r>
               <a:rPr lang="ru-RU" dirty="0">
-                <a:latin typeface="Bahnschrift Condensed" panose="020B0502040204020203" pitchFamily="34" charset="0"/>
+                <a:latin typeface="Times New Roman" panose="02020603050405020304" pitchFamily="18" charset="0"/>
+                <a:cs typeface="Times New Roman" panose="02020603050405020304" pitchFamily="18" charset="0"/>
               </a:rPr>
               <a:t> с помощью </a:t>
             </a:r>
             <a:r>
               <a:rPr lang="en-US" dirty="0">
-                <a:latin typeface="Bahnschrift Condensed" panose="020B0502040204020203" pitchFamily="34" charset="0"/>
+                <a:latin typeface="Times New Roman" panose="02020603050405020304" pitchFamily="18" charset="0"/>
+                <a:cs typeface="Times New Roman" panose="02020603050405020304" pitchFamily="18" charset="0"/>
               </a:rPr>
               <a:t>Target Encoding</a:t>
             </a:r>
             <a:r>
               <a:rPr lang="ru-RU" dirty="0">
-                <a:latin typeface="Bahnschrift Condensed" panose="020B0502040204020203" pitchFamily="34" charset="0"/>
+                <a:latin typeface="Times New Roman" panose="02020603050405020304" pitchFamily="18" charset="0"/>
+                <a:cs typeface="Times New Roman" panose="02020603050405020304" pitchFamily="18" charset="0"/>
               </a:rPr>
               <a:t>, добавления шума и нормализации </a:t>
             </a:r>
             <a:r>
               <a:rPr lang="en-US" dirty="0">
-                <a:latin typeface="Bahnschrift Condensed" panose="020B0502040204020203" pitchFamily="34" charset="0"/>
+                <a:latin typeface="Times New Roman" panose="02020603050405020304" pitchFamily="18" charset="0"/>
+                <a:cs typeface="Times New Roman" panose="02020603050405020304" pitchFamily="18" charset="0"/>
               </a:rPr>
               <a:t>Box-Cox</a:t>
             </a:r>
             <a:endParaRPr lang="ru-RU" dirty="0">
-              <a:latin typeface="Bahnschrift Condensed" panose="020B0502040204020203" pitchFamily="34" charset="0"/>
+              <a:latin typeface="Times New Roman" panose="02020603050405020304" pitchFamily="18" charset="0"/>
+              <a:cs typeface="Times New Roman" panose="02020603050405020304" pitchFamily="18" charset="0"/>
             </a:endParaRPr>
           </a:p>
           <a:p>
             <a:r>
               <a:rPr lang="ru-RU" dirty="0">
-                <a:latin typeface="Bahnschrift Condensed" panose="020B0502040204020203" pitchFamily="34" charset="0"/>
+                <a:latin typeface="Times New Roman" panose="02020603050405020304" pitchFamily="18" charset="0"/>
+                <a:cs typeface="Times New Roman" panose="02020603050405020304" pitchFamily="18" charset="0"/>
               </a:rPr>
               <a:t>Обработана </a:t>
             </a:r>
             <a:r>
               <a:rPr lang="ru-RU" dirty="0" err="1">
-                <a:latin typeface="Bahnschrift Condensed" panose="020B0502040204020203" pitchFamily="34" charset="0"/>
+                <a:latin typeface="Times New Roman" panose="02020603050405020304" pitchFamily="18" charset="0"/>
+                <a:cs typeface="Times New Roman" panose="02020603050405020304" pitchFamily="18" charset="0"/>
               </a:rPr>
               <a:t>мультиколлинеарность</a:t>
             </a:r>
             <a:r>
               <a:rPr lang="ru-RU" dirty="0">
-                <a:latin typeface="Bahnschrift Condensed" panose="020B0502040204020203" pitchFamily="34" charset="0"/>
+                <a:latin typeface="Times New Roman" panose="02020603050405020304" pitchFamily="18" charset="0"/>
+                <a:cs typeface="Times New Roman" panose="02020603050405020304" pitchFamily="18" charset="0"/>
               </a:rPr>
               <a:t> признаков</a:t>
             </a:r>
             <a:r>
               <a:rPr lang="en-US" dirty="0">
-                <a:latin typeface="Bahnschrift Condensed" panose="020B0502040204020203" pitchFamily="34" charset="0"/>
+                <a:latin typeface="Times New Roman" panose="02020603050405020304" pitchFamily="18" charset="0"/>
+                <a:cs typeface="Times New Roman" panose="02020603050405020304" pitchFamily="18" charset="0"/>
               </a:rPr>
               <a:t> </a:t>
             </a:r>
             <a:r>
               <a:rPr lang="ru-RU" dirty="0">
-                <a:latin typeface="Bahnschrift Condensed" panose="020B0502040204020203" pitchFamily="34" charset="0"/>
+                <a:latin typeface="Times New Roman" panose="02020603050405020304" pitchFamily="18" charset="0"/>
+                <a:cs typeface="Times New Roman" panose="02020603050405020304" pitchFamily="18" charset="0"/>
               </a:rPr>
               <a:t>с помощью фильтрации по </a:t>
             </a:r>
             <a:r>
               <a:rPr lang="en-US" dirty="0">
-                <a:latin typeface="Bahnschrift Condensed" panose="020B0502040204020203" pitchFamily="34" charset="0"/>
+                <a:latin typeface="Times New Roman" panose="02020603050405020304" pitchFamily="18" charset="0"/>
+                <a:cs typeface="Times New Roman" panose="02020603050405020304" pitchFamily="18" charset="0"/>
               </a:rPr>
               <a:t>VIF (variance inflation factor)</a:t>
             </a:r>
             <a:endParaRPr lang="ru-RU" dirty="0">
-              <a:latin typeface="Bahnschrift Condensed" panose="020B0502040204020203" pitchFamily="34" charset="0"/>
+              <a:latin typeface="Times New Roman" panose="02020603050405020304" pitchFamily="18" charset="0"/>
+              <a:cs typeface="Times New Roman" panose="02020603050405020304" pitchFamily="18" charset="0"/>
             </a:endParaRPr>
           </a:p>
           <a:p>
             <a:r>
               <a:rPr lang="ru-RU" dirty="0">
-                <a:latin typeface="Bahnschrift Condensed" panose="020B0502040204020203" pitchFamily="34" charset="0"/>
+                <a:latin typeface="Times New Roman" panose="02020603050405020304" pitchFamily="18" charset="0"/>
+                <a:cs typeface="Times New Roman" panose="02020603050405020304" pitchFamily="18" charset="0"/>
               </a:rPr>
               <a:t>Созданы дополнительные признаки</a:t>
             </a:r>
@@ -5230,38 +5619,44 @@
           <a:p>
             <a:r>
               <a:rPr lang="ru-RU" dirty="0">
-                <a:latin typeface="Bahnschrift Condensed" panose="020B0502040204020203" pitchFamily="34" charset="0"/>
-              </a:rPr>
-              <a:t>Выполнена отбор признаков (тестировались фильтрационный, оберточный и методом главных компонент)</a:t>
+                <a:latin typeface="Times New Roman" panose="02020603050405020304" pitchFamily="18" charset="0"/>
+                <a:cs typeface="Times New Roman" panose="02020603050405020304" pitchFamily="18" charset="0"/>
+              </a:rPr>
+              <a:t>Выполнен отбор признаков (тестировались фильтрационный, оберточный и метод главных компонент)</a:t>
             </a:r>
           </a:p>
           <a:p>
             <a:r>
               <a:rPr lang="ru-RU" dirty="0">
-                <a:latin typeface="Bahnschrift Condensed" panose="020B0502040204020203" pitchFamily="34" charset="0"/>
+                <a:latin typeface="Times New Roman" panose="02020603050405020304" pitchFamily="18" charset="0"/>
+                <a:cs typeface="Times New Roman" panose="02020603050405020304" pitchFamily="18" charset="0"/>
               </a:rPr>
               <a:t>Подобраны </a:t>
             </a:r>
             <a:r>
               <a:rPr lang="ru-RU" dirty="0" err="1">
-                <a:latin typeface="Bahnschrift Condensed" panose="020B0502040204020203" pitchFamily="34" charset="0"/>
+                <a:latin typeface="Times New Roman" panose="02020603050405020304" pitchFamily="18" charset="0"/>
+                <a:cs typeface="Times New Roman" panose="02020603050405020304" pitchFamily="18" charset="0"/>
               </a:rPr>
               <a:t>гиперпараметры</a:t>
             </a:r>
             <a:r>
               <a:rPr lang="ru-RU" dirty="0">
-                <a:latin typeface="Bahnschrift Condensed" panose="020B0502040204020203" pitchFamily="34" charset="0"/>
+                <a:latin typeface="Times New Roman" panose="02020603050405020304" pitchFamily="18" charset="0"/>
+                <a:cs typeface="Times New Roman" panose="02020603050405020304" pitchFamily="18" charset="0"/>
               </a:rPr>
               <a:t> для моделей с помощью </a:t>
             </a:r>
             <a:r>
               <a:rPr lang="en-US" dirty="0" err="1">
-                <a:latin typeface="Bahnschrift Condensed" panose="020B0502040204020203" pitchFamily="34" charset="0"/>
+                <a:latin typeface="Times New Roman" panose="02020603050405020304" pitchFamily="18" charset="0"/>
+                <a:cs typeface="Times New Roman" panose="02020603050405020304" pitchFamily="18" charset="0"/>
               </a:rPr>
               <a:t>GridSearch</a:t>
             </a:r>
             <a:endParaRPr lang="ru-RU" dirty="0">
-              <a:latin typeface="Bahnschrift Condensed" panose="020B0502040204020203" pitchFamily="34" charset="0"/>
+              <a:latin typeface="Times New Roman" panose="02020603050405020304" pitchFamily="18" charset="0"/>
+              <a:cs typeface="Times New Roman" panose="02020603050405020304" pitchFamily="18" charset="0"/>
             </a:endParaRPr>
           </a:p>
         </p:txBody>
@@ -5314,8 +5709,8 @@
         </p:nvSpPr>
         <p:spPr>
           <a:xfrm>
-            <a:off x="752474" y="365125"/>
-            <a:ext cx="10134601" cy="758825"/>
+            <a:off x="666749" y="241300"/>
+            <a:ext cx="8858251" cy="930275"/>
           </a:xfrm>
         </p:spPr>
         <p:txBody>
@@ -5325,10 +5720,11 @@
           <a:lstStyle/>
           <a:p>
             <a:r>
-              <a:rPr lang="ru-RU" dirty="0">
-                <a:latin typeface="Bahnschrift Condensed" panose="020B0502040204020203" pitchFamily="34" charset="0"/>
-              </a:rPr>
-              <a:t>Возможное развитие проекта.</a:t>
+              <a:rPr lang="ru-RU" sz="4000" dirty="0">
+                <a:latin typeface="Times New Roman" panose="02020603050405020304" pitchFamily="18" charset="0"/>
+                <a:cs typeface="Times New Roman" panose="02020603050405020304" pitchFamily="18" charset="0"/>
+              </a:rPr>
+              <a:t>Результат проделанной работы. Выводы</a:t>
             </a:r>
           </a:p>
         </p:txBody>
@@ -5351,67 +5747,361 @@
         </p:nvSpPr>
         <p:spPr>
           <a:xfrm>
-            <a:off x="752474" y="1554393"/>
-            <a:ext cx="9906001" cy="4303482"/>
+            <a:off x="666750" y="1000125"/>
+            <a:ext cx="10772776" cy="5695950"/>
           </a:xfrm>
         </p:spPr>
         <p:txBody>
           <a:bodyPr>
-            <a:normAutofit/>
+            <a:normAutofit fontScale="70000" lnSpcReduction="20000"/>
           </a:bodyPr>
           <a:lstStyle/>
           <a:p>
             <a:r>
               <a:rPr lang="ru-RU" dirty="0">
-                <a:latin typeface="Bahnschrift Condensed" panose="020B0502040204020203" pitchFamily="34" charset="0"/>
-              </a:rPr>
-              <a:t>Увеличение и улучшения качества </a:t>
+                <a:latin typeface="Times New Roman" panose="02020603050405020304" pitchFamily="18" charset="0"/>
+                <a:cs typeface="Times New Roman" panose="02020603050405020304" pitchFamily="18" charset="0"/>
+              </a:rPr>
+              <a:t>Разработана модель, прогнозирующая популярность локации для размещения банкомата. Значение коэффициента детерминации составило </a:t>
+            </a:r>
+            <a:r>
+              <a:rPr lang="en-US" dirty="0">
+                <a:latin typeface="Times New Roman" panose="02020603050405020304" pitchFamily="18" charset="0"/>
+                <a:cs typeface="Times New Roman" panose="02020603050405020304" pitchFamily="18" charset="0"/>
+              </a:rPr>
+              <a:t>0.718</a:t>
+            </a:r>
+            <a:endParaRPr lang="ru-RU" dirty="0">
+              <a:latin typeface="Times New Roman" panose="02020603050405020304" pitchFamily="18" charset="0"/>
+              <a:cs typeface="Times New Roman" panose="02020603050405020304" pitchFamily="18" charset="0"/>
+            </a:endParaRPr>
+          </a:p>
+          <a:p>
+            <a:r>
+              <a:rPr lang="ru-RU" dirty="0">
+                <a:latin typeface="Times New Roman" panose="02020603050405020304" pitchFamily="18" charset="0"/>
+                <a:cs typeface="Times New Roman" panose="02020603050405020304" pitchFamily="18" charset="0"/>
+              </a:rPr>
+              <a:t>Лучшим алгоритмом стал </a:t>
+            </a:r>
+            <a:r>
+              <a:rPr lang="en-US" dirty="0">
+                <a:latin typeface="Times New Roman" panose="02020603050405020304" pitchFamily="18" charset="0"/>
+                <a:cs typeface="Times New Roman" panose="02020603050405020304" pitchFamily="18" charset="0"/>
+              </a:rPr>
+              <a:t>Stacking Regressor</a:t>
+            </a:r>
+            <a:r>
+              <a:rPr lang="ru-RU" dirty="0">
+                <a:latin typeface="Times New Roman" panose="02020603050405020304" pitchFamily="18" charset="0"/>
+                <a:cs typeface="Times New Roman" panose="02020603050405020304" pitchFamily="18" charset="0"/>
+              </a:rPr>
+              <a:t>. Ансамбль моделей </a:t>
+            </a:r>
+            <a:r>
+              <a:rPr lang="en-US" dirty="0">
+                <a:latin typeface="Times New Roman" panose="02020603050405020304" pitchFamily="18" charset="0"/>
+                <a:cs typeface="Times New Roman" panose="02020603050405020304" pitchFamily="18" charset="0"/>
+              </a:rPr>
+              <a:t>Ridge Regression, Lasso Regression </a:t>
+            </a:r>
+            <a:r>
+              <a:rPr lang="ru-RU" dirty="0">
+                <a:latin typeface="Times New Roman" panose="02020603050405020304" pitchFamily="18" charset="0"/>
+                <a:cs typeface="Times New Roman" panose="02020603050405020304" pitchFamily="18" charset="0"/>
+              </a:rPr>
+              <a:t>и </a:t>
+            </a:r>
+            <a:r>
+              <a:rPr lang="en-US" dirty="0">
+                <a:latin typeface="Times New Roman" panose="02020603050405020304" pitchFamily="18" charset="0"/>
+                <a:cs typeface="Times New Roman" panose="02020603050405020304" pitchFamily="18" charset="0"/>
+              </a:rPr>
+              <a:t>Random Forest</a:t>
+            </a:r>
+            <a:r>
+              <a:rPr lang="ru-RU" dirty="0">
+                <a:latin typeface="Times New Roman" panose="02020603050405020304" pitchFamily="18" charset="0"/>
+                <a:cs typeface="Times New Roman" panose="02020603050405020304" pitchFamily="18" charset="0"/>
+              </a:rPr>
+              <a:t>.</a:t>
+            </a:r>
+          </a:p>
+          <a:p>
+            <a:r>
+              <a:rPr lang="ru-RU" dirty="0">
+                <a:latin typeface="Times New Roman" panose="02020603050405020304" pitchFamily="18" charset="0"/>
+                <a:cs typeface="Times New Roman" panose="02020603050405020304" pitchFamily="18" charset="0"/>
+              </a:rPr>
+              <a:t>Ключевыми факторами популярности оказались принадлежность к определенной сети банков(Росбанк), координаты широты, федеральный округ, является ли город столицей, кол-во жилых зданий вблизи, наличие рядом офисов, банков и магазинов. </a:t>
+            </a:r>
+          </a:p>
+          <a:p>
+            <a:r>
+              <a:rPr lang="ru-RU" dirty="0">
+                <a:latin typeface="Times New Roman" panose="02020603050405020304" pitchFamily="18" charset="0"/>
+                <a:cs typeface="Times New Roman" panose="02020603050405020304" pitchFamily="18" charset="0"/>
+              </a:rPr>
+              <a:t>После обработки </a:t>
             </a:r>
             <a:r>
               <a:rPr lang="ru-RU" dirty="0" err="1">
-                <a:latin typeface="Bahnschrift Condensed" panose="020B0502040204020203" pitchFamily="34" charset="0"/>
-              </a:rPr>
-              <a:t>датасета</a:t>
+                <a:latin typeface="Times New Roman" panose="02020603050405020304" pitchFamily="18" charset="0"/>
+                <a:cs typeface="Times New Roman" panose="02020603050405020304" pitchFamily="18" charset="0"/>
+              </a:rPr>
+              <a:t>мультиколлинеарности</a:t>
             </a:r>
             <a:r>
               <a:rPr lang="ru-RU" dirty="0">
-                <a:latin typeface="Bahnschrift Condensed" panose="020B0502040204020203" pitchFamily="34" charset="0"/>
-              </a:rPr>
-              <a:t> с учетом конкретной бизнес-задачи.</a:t>
-            </a:r>
-          </a:p>
-          <a:p>
+                <a:latin typeface="Times New Roman" panose="02020603050405020304" pitchFamily="18" charset="0"/>
+                <a:cs typeface="Times New Roman" panose="02020603050405020304" pitchFamily="18" charset="0"/>
+              </a:rPr>
+              <a:t> признаков улучшилось качество моделей линейной регрессии. Это был важный блок в обработке признаков, т.к. наличие </a:t>
+            </a:r>
+            <a:r>
+              <a:rPr lang="ru-RU" dirty="0" err="1">
+                <a:latin typeface="Times New Roman" panose="02020603050405020304" pitchFamily="18" charset="0"/>
+                <a:cs typeface="Times New Roman" panose="02020603050405020304" pitchFamily="18" charset="0"/>
+              </a:rPr>
+              <a:t>линейнозависимых</a:t>
+            </a:r>
             <a:r>
               <a:rPr lang="ru-RU" dirty="0">
-                <a:latin typeface="Bahnschrift Condensed" panose="020B0502040204020203" pitchFamily="34" charset="0"/>
-              </a:rPr>
-              <a:t>Добавление предобработки данных, поступающих для предсказания.</a:t>
+                <a:latin typeface="Times New Roman" panose="02020603050405020304" pitchFamily="18" charset="0"/>
+                <a:cs typeface="Times New Roman" panose="02020603050405020304" pitchFamily="18" charset="0"/>
+              </a:rPr>
+              <a:t> признаков давало неустойчивые веса, из-за чего предсказание тоже было нестабильным и давало плохую оценку. </a:t>
             </a:r>
           </a:p>
           <a:p>
             <a:r>
               <a:rPr lang="ru-RU" dirty="0">
-                <a:latin typeface="Bahnschrift Condensed" panose="020B0502040204020203" pitchFamily="34" charset="0"/>
-              </a:rPr>
-              <a:t>Создание интерфейса</a:t>
-            </a:r>
-          </a:p>
-          <a:p>
-            <a:endParaRPr lang="ru-RU" dirty="0">
-              <a:latin typeface="Bahnschrift Condensed" panose="020B0502040204020203" pitchFamily="34" charset="0"/>
-            </a:endParaRPr>
-          </a:p>
-          <a:p>
-            <a:endParaRPr lang="ru-RU" dirty="0">
-              <a:latin typeface="Bahnschrift Condensed" panose="020B0502040204020203" pitchFamily="34" charset="0"/>
-            </a:endParaRPr>
+                <a:latin typeface="Times New Roman" panose="02020603050405020304" pitchFamily="18" charset="0"/>
+                <a:cs typeface="Times New Roman" panose="02020603050405020304" pitchFamily="18" charset="0"/>
+              </a:rPr>
+              <a:t>Создание дополнительных признаков так же помогло побороться с проблемой </a:t>
+            </a:r>
+            <a:r>
+              <a:rPr lang="ru-RU" dirty="0" err="1">
+                <a:latin typeface="Times New Roman" panose="02020603050405020304" pitchFamily="18" charset="0"/>
+                <a:cs typeface="Times New Roman" panose="02020603050405020304" pitchFamily="18" charset="0"/>
+              </a:rPr>
+              <a:t>мультиколинеарности</a:t>
+            </a:r>
+            <a:r>
+              <a:rPr lang="ru-RU" dirty="0">
+                <a:latin typeface="Times New Roman" panose="02020603050405020304" pitchFamily="18" charset="0"/>
+                <a:cs typeface="Times New Roman" panose="02020603050405020304" pitchFamily="18" charset="0"/>
+              </a:rPr>
+              <a:t>, но при не этом сохранить информацию о наличии объектов рядом.</a:t>
+            </a:r>
+          </a:p>
+          <a:p>
+            <a:r>
+              <a:rPr lang="ru-RU" dirty="0">
+                <a:latin typeface="Times New Roman" panose="02020603050405020304" pitchFamily="18" charset="0"/>
+                <a:cs typeface="Times New Roman" panose="02020603050405020304" pitchFamily="18" charset="0"/>
+              </a:rPr>
+              <a:t>Отбор признаков с помощью </a:t>
+            </a:r>
+            <a:r>
+              <a:rPr lang="en-US" dirty="0" err="1">
+                <a:latin typeface="Times New Roman" panose="02020603050405020304" pitchFamily="18" charset="0"/>
+                <a:cs typeface="Times New Roman" panose="02020603050405020304" pitchFamily="18" charset="0"/>
+              </a:rPr>
+              <a:t>SelectKBest</a:t>
+            </a:r>
+            <a:r>
+              <a:rPr lang="en-US" dirty="0">
+                <a:latin typeface="Times New Roman" panose="02020603050405020304" pitchFamily="18" charset="0"/>
+                <a:cs typeface="Times New Roman" panose="02020603050405020304" pitchFamily="18" charset="0"/>
+              </a:rPr>
+              <a:t>, RFE </a:t>
+            </a:r>
+            <a:r>
+              <a:rPr lang="ru-RU" dirty="0">
+                <a:latin typeface="Times New Roman" panose="02020603050405020304" pitchFamily="18" charset="0"/>
+                <a:cs typeface="Times New Roman" panose="02020603050405020304" pitchFamily="18" charset="0"/>
+              </a:rPr>
+              <a:t>и </a:t>
+            </a:r>
+            <a:r>
+              <a:rPr lang="en-US" dirty="0">
+                <a:latin typeface="Times New Roman" panose="02020603050405020304" pitchFamily="18" charset="0"/>
+                <a:cs typeface="Times New Roman" panose="02020603050405020304" pitchFamily="18" charset="0"/>
+              </a:rPr>
+              <a:t>PCA</a:t>
+            </a:r>
+            <a:r>
+              <a:rPr lang="ru-RU" dirty="0">
+                <a:latin typeface="Times New Roman" panose="02020603050405020304" pitchFamily="18" charset="0"/>
+                <a:cs typeface="Times New Roman" panose="02020603050405020304" pitchFamily="18" charset="0"/>
+              </a:rPr>
+              <a:t> не дал сильных улучшений в качестве. Возможно из-за того что признаков не так много и предварительная обработка уже отсекла какую-то часть. Но удаление 2 признаков с помощью </a:t>
+            </a:r>
+            <a:r>
+              <a:rPr lang="en-US" dirty="0">
+                <a:latin typeface="Times New Roman" panose="02020603050405020304" pitchFamily="18" charset="0"/>
+                <a:cs typeface="Times New Roman" panose="02020603050405020304" pitchFamily="18" charset="0"/>
+              </a:rPr>
+              <a:t>RFE </a:t>
+            </a:r>
+            <a:r>
+              <a:rPr lang="ru-RU" dirty="0">
+                <a:latin typeface="Times New Roman" panose="02020603050405020304" pitchFamily="18" charset="0"/>
+                <a:cs typeface="Times New Roman" panose="02020603050405020304" pitchFamily="18" charset="0"/>
+              </a:rPr>
+              <a:t>все таки дало небольшой прирост в качестве.</a:t>
+            </a:r>
+          </a:p>
+          <a:p>
+            <a:r>
+              <a:rPr lang="ru-RU" dirty="0">
+                <a:latin typeface="Times New Roman" panose="02020603050405020304" pitchFamily="18" charset="0"/>
+                <a:cs typeface="Times New Roman" panose="02020603050405020304" pitchFamily="18" charset="0"/>
+              </a:rPr>
+              <a:t>Важность признака </a:t>
+            </a:r>
+            <a:r>
+              <a:rPr lang="en-US" dirty="0" err="1">
+                <a:latin typeface="Times New Roman" panose="02020603050405020304" pitchFamily="18" charset="0"/>
+                <a:cs typeface="Times New Roman" panose="02020603050405020304" pitchFamily="18" charset="0"/>
+              </a:rPr>
+              <a:t>atm_group</a:t>
+            </a:r>
+            <a:r>
+              <a:rPr lang="en-US" dirty="0">
+                <a:latin typeface="Times New Roman" panose="02020603050405020304" pitchFamily="18" charset="0"/>
+                <a:cs typeface="Times New Roman" panose="02020603050405020304" pitchFamily="18" charset="0"/>
+              </a:rPr>
+              <a:t> </a:t>
+            </a:r>
+            <a:r>
+              <a:rPr lang="ru-RU" dirty="0">
+                <a:latin typeface="Times New Roman" panose="02020603050405020304" pitchFamily="18" charset="0"/>
+                <a:cs typeface="Times New Roman" panose="02020603050405020304" pitchFamily="18" charset="0"/>
+              </a:rPr>
+              <a:t>до конца не удалось побороть. Даже после </a:t>
+            </a:r>
+            <a:r>
+              <a:rPr lang="en-US" dirty="0" err="1">
+                <a:latin typeface="Times New Roman" panose="02020603050405020304" pitchFamily="18" charset="0"/>
+                <a:cs typeface="Times New Roman" panose="02020603050405020304" pitchFamily="18" charset="0"/>
+              </a:rPr>
+              <a:t>TargetEncoder</a:t>
+            </a:r>
+            <a:r>
+              <a:rPr lang="en-US" dirty="0">
+                <a:latin typeface="Times New Roman" panose="02020603050405020304" pitchFamily="18" charset="0"/>
+                <a:cs typeface="Times New Roman" panose="02020603050405020304" pitchFamily="18" charset="0"/>
+              </a:rPr>
+              <a:t>-</a:t>
+            </a:r>
+            <a:r>
+              <a:rPr lang="ru-RU" dirty="0">
+                <a:latin typeface="Times New Roman" panose="02020603050405020304" pitchFamily="18" charset="0"/>
+                <a:cs typeface="Times New Roman" panose="02020603050405020304" pitchFamily="18" charset="0"/>
+              </a:rPr>
+              <a:t>а, сглаживания и </a:t>
+            </a:r>
+            <a:r>
+              <a:rPr lang="en-US" dirty="0">
+                <a:latin typeface="Times New Roman" panose="02020603050405020304" pitchFamily="18" charset="0"/>
+                <a:cs typeface="Times New Roman" panose="02020603050405020304" pitchFamily="18" charset="0"/>
+              </a:rPr>
+              <a:t>Box-Cox-</a:t>
+            </a:r>
+            <a:r>
+              <a:rPr lang="ru-RU" dirty="0">
+                <a:latin typeface="Times New Roman" panose="02020603050405020304" pitchFamily="18" charset="0"/>
+                <a:cs typeface="Times New Roman" panose="02020603050405020304" pitchFamily="18" charset="0"/>
+              </a:rPr>
+              <a:t>а такие модели как </a:t>
+            </a:r>
+            <a:r>
+              <a:rPr lang="en-US" dirty="0" err="1">
+                <a:latin typeface="Times New Roman" panose="02020603050405020304" pitchFamily="18" charset="0"/>
+                <a:cs typeface="Times New Roman" panose="02020603050405020304" pitchFamily="18" charset="0"/>
+              </a:rPr>
+              <a:t>RandomForest</a:t>
+            </a:r>
+            <a:r>
+              <a:rPr lang="en-US" dirty="0">
+                <a:latin typeface="Times New Roman" panose="02020603050405020304" pitchFamily="18" charset="0"/>
+                <a:cs typeface="Times New Roman" panose="02020603050405020304" pitchFamily="18" charset="0"/>
+              </a:rPr>
+              <a:t> </a:t>
+            </a:r>
+            <a:r>
+              <a:rPr lang="ru-RU" dirty="0">
+                <a:latin typeface="Times New Roman" panose="02020603050405020304" pitchFamily="18" charset="0"/>
+                <a:cs typeface="Times New Roman" panose="02020603050405020304" pitchFamily="18" charset="0"/>
+              </a:rPr>
+              <a:t>и другие ансамбли все равно улавливали сильную связь с </a:t>
+            </a:r>
+            <a:r>
+              <a:rPr lang="ru-RU" dirty="0" err="1">
+                <a:latin typeface="Times New Roman" panose="02020603050405020304" pitchFamily="18" charset="0"/>
+                <a:cs typeface="Times New Roman" panose="02020603050405020304" pitchFamily="18" charset="0"/>
+              </a:rPr>
+              <a:t>таргетом</a:t>
+            </a:r>
+            <a:r>
+              <a:rPr lang="ru-RU" dirty="0">
+                <a:latin typeface="Times New Roman" panose="02020603050405020304" pitchFamily="18" charset="0"/>
+                <a:cs typeface="Times New Roman" panose="02020603050405020304" pitchFamily="18" charset="0"/>
+              </a:rPr>
+              <a:t>. Хотя на моделях линейной регрессии удалось уменьшить важность этого признака. Особенно хорошо это получилось у </a:t>
+            </a:r>
+            <a:r>
+              <a:rPr lang="en-US" dirty="0">
+                <a:latin typeface="Times New Roman" panose="02020603050405020304" pitchFamily="18" charset="0"/>
+                <a:cs typeface="Times New Roman" panose="02020603050405020304" pitchFamily="18" charset="0"/>
+              </a:rPr>
+              <a:t>Ridge Regression</a:t>
+            </a:r>
+            <a:r>
+              <a:rPr lang="ru-RU" dirty="0">
+                <a:latin typeface="Times New Roman" panose="02020603050405020304" pitchFamily="18" charset="0"/>
+                <a:cs typeface="Times New Roman" panose="02020603050405020304" pitchFamily="18" charset="0"/>
+              </a:rPr>
+              <a:t>, т.к. в нем участвует </a:t>
+            </a:r>
+            <a:r>
+              <a:rPr lang="en-US" dirty="0">
+                <a:latin typeface="Times New Roman" panose="02020603050405020304" pitchFamily="18" charset="0"/>
+                <a:cs typeface="Times New Roman" panose="02020603050405020304" pitchFamily="18" charset="0"/>
+              </a:rPr>
+              <a:t>L</a:t>
+            </a:r>
+            <a:r>
+              <a:rPr lang="ru-RU" dirty="0">
+                <a:latin typeface="Times New Roman" panose="02020603050405020304" pitchFamily="18" charset="0"/>
+                <a:cs typeface="Times New Roman" panose="02020603050405020304" pitchFamily="18" charset="0"/>
+              </a:rPr>
+              <a:t>2</a:t>
+            </a:r>
+            <a:r>
+              <a:rPr lang="en-US" dirty="0">
+                <a:latin typeface="Times New Roman" panose="02020603050405020304" pitchFamily="18" charset="0"/>
+                <a:cs typeface="Times New Roman" panose="02020603050405020304" pitchFamily="18" charset="0"/>
+              </a:rPr>
+              <a:t> </a:t>
+            </a:r>
+            <a:r>
+              <a:rPr lang="ru-RU" dirty="0">
+                <a:latin typeface="Times New Roman" panose="02020603050405020304" pitchFamily="18" charset="0"/>
+                <a:cs typeface="Times New Roman" panose="02020603050405020304" pitchFamily="18" charset="0"/>
+              </a:rPr>
+              <a:t>регуляризация, которая штрафует большие веса.</a:t>
+            </a:r>
           </a:p>
         </p:txBody>
       </p:sp>
     </p:spTree>
     <p:extLst>
       <p:ext uri="{BB962C8B-B14F-4D97-AF65-F5344CB8AC3E}">
-        <p14:creationId xmlns:p14="http://schemas.microsoft.com/office/powerpoint/2010/main" val="3071033836"/>
+        <p14:creationId xmlns:p14="http://schemas.microsoft.com/office/powerpoint/2010/main" val="959082551"/>
       </p:ext>
     </p:extLst>
   </p:cSld>

--- a/Определение популярности геолокации для размещения банкомата Росбанка и его партнеров.pptx
+++ b/Определение популярности геолокации для размещения банкомата Росбанка и его партнеров.pptx
@@ -14,7 +14,8 @@
     <p:sldId id="266" r:id="rId8"/>
     <p:sldId id="267" r:id="rId9"/>
     <p:sldId id="269" r:id="rId10"/>
-    <p:sldId id="268" r:id="rId11"/>
+    <p:sldId id="270" r:id="rId11"/>
+    <p:sldId id="268" r:id="rId12"/>
   </p:sldIdLst>
   <p:sldSz cx="12192000" cy="6858000"/>
   <p:notesSz cx="6858000" cy="9144000"/>
@@ -268,7 +269,7 @@
           <a:p>
             <a:fld id="{60E29038-4852-443F-9481-057F521A864B}" type="datetimeFigureOut">
               <a:rPr lang="ru-RU" smtClean="0"/>
-              <a:t>19.08.2025</a:t>
+              <a:t>20.08.2025</a:t>
             </a:fld>
             <a:endParaRPr lang="ru-RU"/>
           </a:p>
@@ -466,7 +467,7 @@
           <a:p>
             <a:fld id="{60E29038-4852-443F-9481-057F521A864B}" type="datetimeFigureOut">
               <a:rPr lang="ru-RU" smtClean="0"/>
-              <a:t>19.08.2025</a:t>
+              <a:t>20.08.2025</a:t>
             </a:fld>
             <a:endParaRPr lang="ru-RU"/>
           </a:p>
@@ -674,7 +675,7 @@
           <a:p>
             <a:fld id="{60E29038-4852-443F-9481-057F521A864B}" type="datetimeFigureOut">
               <a:rPr lang="ru-RU" smtClean="0"/>
-              <a:t>19.08.2025</a:t>
+              <a:t>20.08.2025</a:t>
             </a:fld>
             <a:endParaRPr lang="ru-RU"/>
           </a:p>
@@ -872,7 +873,7 @@
           <a:p>
             <a:fld id="{60E29038-4852-443F-9481-057F521A864B}" type="datetimeFigureOut">
               <a:rPr lang="ru-RU" smtClean="0"/>
-              <a:t>19.08.2025</a:t>
+              <a:t>20.08.2025</a:t>
             </a:fld>
             <a:endParaRPr lang="ru-RU"/>
           </a:p>
@@ -1147,7 +1148,7 @@
           <a:p>
             <a:fld id="{60E29038-4852-443F-9481-057F521A864B}" type="datetimeFigureOut">
               <a:rPr lang="ru-RU" smtClean="0"/>
-              <a:t>19.08.2025</a:t>
+              <a:t>20.08.2025</a:t>
             </a:fld>
             <a:endParaRPr lang="ru-RU"/>
           </a:p>
@@ -1412,7 +1413,7 @@
           <a:p>
             <a:fld id="{60E29038-4852-443F-9481-057F521A864B}" type="datetimeFigureOut">
               <a:rPr lang="ru-RU" smtClean="0"/>
-              <a:t>19.08.2025</a:t>
+              <a:t>20.08.2025</a:t>
             </a:fld>
             <a:endParaRPr lang="ru-RU"/>
           </a:p>
@@ -1824,7 +1825,7 @@
           <a:p>
             <a:fld id="{60E29038-4852-443F-9481-057F521A864B}" type="datetimeFigureOut">
               <a:rPr lang="ru-RU" smtClean="0"/>
-              <a:t>19.08.2025</a:t>
+              <a:t>20.08.2025</a:t>
             </a:fld>
             <a:endParaRPr lang="ru-RU"/>
           </a:p>
@@ -1965,7 +1966,7 @@
           <a:p>
             <a:fld id="{60E29038-4852-443F-9481-057F521A864B}" type="datetimeFigureOut">
               <a:rPr lang="ru-RU" smtClean="0"/>
-              <a:t>19.08.2025</a:t>
+              <a:t>20.08.2025</a:t>
             </a:fld>
             <a:endParaRPr lang="ru-RU"/>
           </a:p>
@@ -2078,7 +2079,7 @@
           <a:p>
             <a:fld id="{60E29038-4852-443F-9481-057F521A864B}" type="datetimeFigureOut">
               <a:rPr lang="ru-RU" smtClean="0"/>
-              <a:t>19.08.2025</a:t>
+              <a:t>20.08.2025</a:t>
             </a:fld>
             <a:endParaRPr lang="ru-RU"/>
           </a:p>
@@ -2389,7 +2390,7 @@
           <a:p>
             <a:fld id="{60E29038-4852-443F-9481-057F521A864B}" type="datetimeFigureOut">
               <a:rPr lang="ru-RU" smtClean="0"/>
-              <a:t>19.08.2025</a:t>
+              <a:t>20.08.2025</a:t>
             </a:fld>
             <a:endParaRPr lang="ru-RU"/>
           </a:p>
@@ -2677,7 +2678,7 @@
           <a:p>
             <a:fld id="{60E29038-4852-443F-9481-057F521A864B}" type="datetimeFigureOut">
               <a:rPr lang="ru-RU" smtClean="0"/>
-              <a:t>19.08.2025</a:t>
+              <a:t>20.08.2025</a:t>
             </a:fld>
             <a:endParaRPr lang="ru-RU"/>
           </a:p>
@@ -2918,7 +2919,7 @@
           <a:p>
             <a:fld id="{60E29038-4852-443F-9481-057F521A864B}" type="datetimeFigureOut">
               <a:rPr lang="ru-RU" smtClean="0"/>
-              <a:t>19.08.2025</a:t>
+              <a:t>20.08.2025</a:t>
             </a:fld>
             <a:endParaRPr lang="ru-RU"/>
           </a:p>
@@ -3582,6 +3583,363 @@
         </p:nvSpPr>
         <p:spPr>
           <a:xfrm>
+            <a:off x="666749" y="241300"/>
+            <a:ext cx="8858251" cy="930275"/>
+          </a:xfrm>
+        </p:spPr>
+        <p:txBody>
+          <a:bodyPr>
+            <a:normAutofit/>
+          </a:bodyPr>
+          <a:lstStyle/>
+          <a:p>
+            <a:r>
+              <a:rPr lang="ru-RU" sz="4000" dirty="0">
+                <a:latin typeface="Times New Roman" panose="02020603050405020304" pitchFamily="18" charset="0"/>
+                <a:cs typeface="Times New Roman" panose="02020603050405020304" pitchFamily="18" charset="0"/>
+              </a:rPr>
+              <a:t>Результат проделанной работы. Выводы</a:t>
+            </a:r>
+          </a:p>
+        </p:txBody>
+      </p:sp>
+      <p:sp>
+        <p:nvSpPr>
+          <p:cNvPr id="6" name="Объект 2">
+            <a:extLst>
+              <a:ext uri="{FF2B5EF4-FFF2-40B4-BE49-F238E27FC236}">
+                <a16:creationId xmlns:a16="http://schemas.microsoft.com/office/drawing/2014/main" id="{4A0551F0-3794-4ACF-80B3-740CF5224D92}"/>
+              </a:ext>
+            </a:extLst>
+          </p:cNvPr>
+          <p:cNvSpPr>
+            <a:spLocks noGrp="1"/>
+          </p:cNvSpPr>
+          <p:nvPr>
+            <p:ph idx="1"/>
+          </p:nvPr>
+        </p:nvSpPr>
+        <p:spPr>
+          <a:xfrm>
+            <a:off x="666749" y="1171575"/>
+            <a:ext cx="10858502" cy="5524500"/>
+          </a:xfrm>
+        </p:spPr>
+        <p:txBody>
+          <a:bodyPr>
+            <a:normAutofit fontScale="85000" lnSpcReduction="10000"/>
+          </a:bodyPr>
+          <a:lstStyle/>
+          <a:p>
+            <a:r>
+              <a:rPr lang="ru-RU" dirty="0">
+                <a:latin typeface="Times New Roman" panose="02020603050405020304" pitchFamily="18" charset="0"/>
+                <a:cs typeface="Times New Roman" panose="02020603050405020304" pitchFamily="18" charset="0"/>
+              </a:rPr>
+              <a:t>После обработки </a:t>
+            </a:r>
+            <a:r>
+              <a:rPr lang="ru-RU" dirty="0" err="1">
+                <a:latin typeface="Times New Roman" panose="02020603050405020304" pitchFamily="18" charset="0"/>
+                <a:cs typeface="Times New Roman" panose="02020603050405020304" pitchFamily="18" charset="0"/>
+              </a:rPr>
+              <a:t>мультиколлинеарности</a:t>
+            </a:r>
+            <a:r>
+              <a:rPr lang="ru-RU" dirty="0">
+                <a:latin typeface="Times New Roman" panose="02020603050405020304" pitchFamily="18" charset="0"/>
+                <a:cs typeface="Times New Roman" panose="02020603050405020304" pitchFamily="18" charset="0"/>
+              </a:rPr>
+              <a:t> признаков улучшилось качество моделей линейной регрессии. Это был важный блок в обработке признаков, т.к. наличие </a:t>
+            </a:r>
+            <a:r>
+              <a:rPr lang="ru-RU" dirty="0" err="1">
+                <a:latin typeface="Times New Roman" panose="02020603050405020304" pitchFamily="18" charset="0"/>
+                <a:cs typeface="Times New Roman" panose="02020603050405020304" pitchFamily="18" charset="0"/>
+              </a:rPr>
+              <a:t>линейнозависимых</a:t>
+            </a:r>
+            <a:r>
+              <a:rPr lang="ru-RU" dirty="0">
+                <a:latin typeface="Times New Roman" panose="02020603050405020304" pitchFamily="18" charset="0"/>
+                <a:cs typeface="Times New Roman" panose="02020603050405020304" pitchFamily="18" charset="0"/>
+              </a:rPr>
+              <a:t> признаков давало неустойчивые веса, из-за чего предсказание тоже было нестабильным и давало плохую оценку. </a:t>
+            </a:r>
+          </a:p>
+          <a:p>
+            <a:r>
+              <a:rPr lang="ru-RU" dirty="0">
+                <a:latin typeface="Times New Roman" panose="02020603050405020304" pitchFamily="18" charset="0"/>
+                <a:cs typeface="Times New Roman" panose="02020603050405020304" pitchFamily="18" charset="0"/>
+              </a:rPr>
+              <a:t>Создание дополнительных признаков так же помогло побороться с проблемой </a:t>
+            </a:r>
+            <a:r>
+              <a:rPr lang="ru-RU" dirty="0" err="1">
+                <a:latin typeface="Times New Roman" panose="02020603050405020304" pitchFamily="18" charset="0"/>
+                <a:cs typeface="Times New Roman" panose="02020603050405020304" pitchFamily="18" charset="0"/>
+              </a:rPr>
+              <a:t>мультиколинеарности</a:t>
+            </a:r>
+            <a:r>
+              <a:rPr lang="ru-RU" dirty="0">
+                <a:latin typeface="Times New Roman" panose="02020603050405020304" pitchFamily="18" charset="0"/>
+                <a:cs typeface="Times New Roman" panose="02020603050405020304" pitchFamily="18" charset="0"/>
+              </a:rPr>
+              <a:t>, но при не этом сохранить информацию о наличии объектов рядом.</a:t>
+            </a:r>
+          </a:p>
+          <a:p>
+            <a:r>
+              <a:rPr lang="ru-RU" dirty="0">
+                <a:latin typeface="Times New Roman" panose="02020603050405020304" pitchFamily="18" charset="0"/>
+                <a:cs typeface="Times New Roman" panose="02020603050405020304" pitchFamily="18" charset="0"/>
+              </a:rPr>
+              <a:t>Отбор признаков с помощью </a:t>
+            </a:r>
+            <a:r>
+              <a:rPr lang="en-US" dirty="0" err="1">
+                <a:latin typeface="Times New Roman" panose="02020603050405020304" pitchFamily="18" charset="0"/>
+                <a:cs typeface="Times New Roman" panose="02020603050405020304" pitchFamily="18" charset="0"/>
+              </a:rPr>
+              <a:t>SelectKBest</a:t>
+            </a:r>
+            <a:r>
+              <a:rPr lang="en-US" dirty="0">
+                <a:latin typeface="Times New Roman" panose="02020603050405020304" pitchFamily="18" charset="0"/>
+                <a:cs typeface="Times New Roman" panose="02020603050405020304" pitchFamily="18" charset="0"/>
+              </a:rPr>
+              <a:t>, RFE </a:t>
+            </a:r>
+            <a:r>
+              <a:rPr lang="ru-RU" dirty="0">
+                <a:latin typeface="Times New Roman" panose="02020603050405020304" pitchFamily="18" charset="0"/>
+                <a:cs typeface="Times New Roman" panose="02020603050405020304" pitchFamily="18" charset="0"/>
+              </a:rPr>
+              <a:t>и </a:t>
+            </a:r>
+            <a:r>
+              <a:rPr lang="en-US" dirty="0">
+                <a:latin typeface="Times New Roman" panose="02020603050405020304" pitchFamily="18" charset="0"/>
+                <a:cs typeface="Times New Roman" panose="02020603050405020304" pitchFamily="18" charset="0"/>
+              </a:rPr>
+              <a:t>PCA</a:t>
+            </a:r>
+            <a:r>
+              <a:rPr lang="ru-RU" dirty="0">
+                <a:latin typeface="Times New Roman" panose="02020603050405020304" pitchFamily="18" charset="0"/>
+                <a:cs typeface="Times New Roman" panose="02020603050405020304" pitchFamily="18" charset="0"/>
+              </a:rPr>
+              <a:t> не дал сильных улучшений в качестве. Возможно из-за того что признаков не так много и предварительная обработка уже отсекла какую-то часть. Но удаление 2 признаков с помощью </a:t>
+            </a:r>
+            <a:r>
+              <a:rPr lang="en-US" dirty="0">
+                <a:latin typeface="Times New Roman" panose="02020603050405020304" pitchFamily="18" charset="0"/>
+                <a:cs typeface="Times New Roman" panose="02020603050405020304" pitchFamily="18" charset="0"/>
+              </a:rPr>
+              <a:t>RFE </a:t>
+            </a:r>
+            <a:r>
+              <a:rPr lang="ru-RU" dirty="0">
+                <a:latin typeface="Times New Roman" panose="02020603050405020304" pitchFamily="18" charset="0"/>
+                <a:cs typeface="Times New Roman" panose="02020603050405020304" pitchFamily="18" charset="0"/>
+              </a:rPr>
+              <a:t>все таки дало небольшой прирост в качестве.</a:t>
+            </a:r>
+          </a:p>
+          <a:p>
+            <a:r>
+              <a:rPr lang="ru-RU" dirty="0">
+                <a:latin typeface="Times New Roman" panose="02020603050405020304" pitchFamily="18" charset="0"/>
+                <a:cs typeface="Times New Roman" panose="02020603050405020304" pitchFamily="18" charset="0"/>
+              </a:rPr>
+              <a:t>Важность признака </a:t>
+            </a:r>
+            <a:r>
+              <a:rPr lang="en-US" dirty="0" err="1">
+                <a:latin typeface="Times New Roman" panose="02020603050405020304" pitchFamily="18" charset="0"/>
+                <a:cs typeface="Times New Roman" panose="02020603050405020304" pitchFamily="18" charset="0"/>
+              </a:rPr>
+              <a:t>atm_group</a:t>
+            </a:r>
+            <a:r>
+              <a:rPr lang="en-US" dirty="0">
+                <a:latin typeface="Times New Roman" panose="02020603050405020304" pitchFamily="18" charset="0"/>
+                <a:cs typeface="Times New Roman" panose="02020603050405020304" pitchFamily="18" charset="0"/>
+              </a:rPr>
+              <a:t> </a:t>
+            </a:r>
+            <a:r>
+              <a:rPr lang="ru-RU" dirty="0">
+                <a:latin typeface="Times New Roman" panose="02020603050405020304" pitchFamily="18" charset="0"/>
+                <a:cs typeface="Times New Roman" panose="02020603050405020304" pitchFamily="18" charset="0"/>
+              </a:rPr>
+              <a:t>до конца не удалось побороть. Даже после </a:t>
+            </a:r>
+            <a:r>
+              <a:rPr lang="en-US" dirty="0" err="1">
+                <a:latin typeface="Times New Roman" panose="02020603050405020304" pitchFamily="18" charset="0"/>
+                <a:cs typeface="Times New Roman" panose="02020603050405020304" pitchFamily="18" charset="0"/>
+              </a:rPr>
+              <a:t>TargetEncoder</a:t>
+            </a:r>
+            <a:r>
+              <a:rPr lang="en-US" dirty="0">
+                <a:latin typeface="Times New Roman" panose="02020603050405020304" pitchFamily="18" charset="0"/>
+                <a:cs typeface="Times New Roman" panose="02020603050405020304" pitchFamily="18" charset="0"/>
+              </a:rPr>
+              <a:t>-</a:t>
+            </a:r>
+            <a:r>
+              <a:rPr lang="ru-RU" dirty="0">
+                <a:latin typeface="Times New Roman" panose="02020603050405020304" pitchFamily="18" charset="0"/>
+                <a:cs typeface="Times New Roman" panose="02020603050405020304" pitchFamily="18" charset="0"/>
+              </a:rPr>
+              <a:t>а, сглаживания и </a:t>
+            </a:r>
+            <a:r>
+              <a:rPr lang="en-US" dirty="0">
+                <a:latin typeface="Times New Roman" panose="02020603050405020304" pitchFamily="18" charset="0"/>
+                <a:cs typeface="Times New Roman" panose="02020603050405020304" pitchFamily="18" charset="0"/>
+              </a:rPr>
+              <a:t>Box-Cox-</a:t>
+            </a:r>
+            <a:r>
+              <a:rPr lang="ru-RU" dirty="0">
+                <a:latin typeface="Times New Roman" panose="02020603050405020304" pitchFamily="18" charset="0"/>
+                <a:cs typeface="Times New Roman" panose="02020603050405020304" pitchFamily="18" charset="0"/>
+              </a:rPr>
+              <a:t>а такие модели как </a:t>
+            </a:r>
+            <a:r>
+              <a:rPr lang="en-US" dirty="0" err="1">
+                <a:latin typeface="Times New Roman" panose="02020603050405020304" pitchFamily="18" charset="0"/>
+                <a:cs typeface="Times New Roman" panose="02020603050405020304" pitchFamily="18" charset="0"/>
+              </a:rPr>
+              <a:t>RandomForest</a:t>
+            </a:r>
+            <a:r>
+              <a:rPr lang="en-US" dirty="0">
+                <a:latin typeface="Times New Roman" panose="02020603050405020304" pitchFamily="18" charset="0"/>
+                <a:cs typeface="Times New Roman" panose="02020603050405020304" pitchFamily="18" charset="0"/>
+              </a:rPr>
+              <a:t> </a:t>
+            </a:r>
+            <a:r>
+              <a:rPr lang="ru-RU" dirty="0">
+                <a:latin typeface="Times New Roman" panose="02020603050405020304" pitchFamily="18" charset="0"/>
+                <a:cs typeface="Times New Roman" panose="02020603050405020304" pitchFamily="18" charset="0"/>
+              </a:rPr>
+              <a:t>и другие ансамбли все равно улавливали сильную связь с </a:t>
+            </a:r>
+            <a:r>
+              <a:rPr lang="ru-RU" dirty="0" err="1">
+                <a:latin typeface="Times New Roman" panose="02020603050405020304" pitchFamily="18" charset="0"/>
+                <a:cs typeface="Times New Roman" panose="02020603050405020304" pitchFamily="18" charset="0"/>
+              </a:rPr>
+              <a:t>таргетом</a:t>
+            </a:r>
+            <a:r>
+              <a:rPr lang="ru-RU" dirty="0">
+                <a:latin typeface="Times New Roman" panose="02020603050405020304" pitchFamily="18" charset="0"/>
+                <a:cs typeface="Times New Roman" panose="02020603050405020304" pitchFamily="18" charset="0"/>
+              </a:rPr>
+              <a:t>. Хотя на моделях линейной регрессии удалось уменьшить важность этого признака. Особенно хорошо это получилось у </a:t>
+            </a:r>
+            <a:r>
+              <a:rPr lang="en-US" dirty="0">
+                <a:latin typeface="Times New Roman" panose="02020603050405020304" pitchFamily="18" charset="0"/>
+                <a:cs typeface="Times New Roman" panose="02020603050405020304" pitchFamily="18" charset="0"/>
+              </a:rPr>
+              <a:t>Ridge Regression</a:t>
+            </a:r>
+            <a:r>
+              <a:rPr lang="ru-RU" dirty="0">
+                <a:latin typeface="Times New Roman" panose="02020603050405020304" pitchFamily="18" charset="0"/>
+                <a:cs typeface="Times New Roman" panose="02020603050405020304" pitchFamily="18" charset="0"/>
+              </a:rPr>
+              <a:t>, т.к. в нем участвует </a:t>
+            </a:r>
+            <a:r>
+              <a:rPr lang="en-US" dirty="0">
+                <a:latin typeface="Times New Roman" panose="02020603050405020304" pitchFamily="18" charset="0"/>
+                <a:cs typeface="Times New Roman" panose="02020603050405020304" pitchFamily="18" charset="0"/>
+              </a:rPr>
+              <a:t>L</a:t>
+            </a:r>
+            <a:r>
+              <a:rPr lang="ru-RU" dirty="0">
+                <a:latin typeface="Times New Roman" panose="02020603050405020304" pitchFamily="18" charset="0"/>
+                <a:cs typeface="Times New Roman" panose="02020603050405020304" pitchFamily="18" charset="0"/>
+              </a:rPr>
+              <a:t>2</a:t>
+            </a:r>
+            <a:r>
+              <a:rPr lang="en-US" dirty="0">
+                <a:latin typeface="Times New Roman" panose="02020603050405020304" pitchFamily="18" charset="0"/>
+                <a:cs typeface="Times New Roman" panose="02020603050405020304" pitchFamily="18" charset="0"/>
+              </a:rPr>
+              <a:t> </a:t>
+            </a:r>
+            <a:r>
+              <a:rPr lang="ru-RU" dirty="0">
+                <a:latin typeface="Times New Roman" panose="02020603050405020304" pitchFamily="18" charset="0"/>
+                <a:cs typeface="Times New Roman" panose="02020603050405020304" pitchFamily="18" charset="0"/>
+              </a:rPr>
+              <a:t>регуляризация, которая штрафует большие веса.</a:t>
+            </a:r>
+          </a:p>
+        </p:txBody>
+      </p:sp>
+    </p:spTree>
+    <p:extLst>
+      <p:ext uri="{BB962C8B-B14F-4D97-AF65-F5344CB8AC3E}">
+        <p14:creationId xmlns:p14="http://schemas.microsoft.com/office/powerpoint/2010/main" val="2411890014"/>
+      </p:ext>
+    </p:extLst>
+  </p:cSld>
+  <p:clrMapOvr>
+    <a:masterClrMapping/>
+  </p:clrMapOvr>
+</p:sld>
+</file>
+
+<file path=ppt/slides/slide11.xml><?xml version="1.0" encoding="utf-8"?>
+<p:sld xmlns:a="http://schemas.openxmlformats.org/drawingml/2006/main" xmlns:r="http://schemas.openxmlformats.org/officeDocument/2006/relationships" xmlns:p="http://schemas.openxmlformats.org/presentationml/2006/main">
+  <p:cSld>
+    <p:spTree>
+      <p:nvGrpSpPr>
+        <p:cNvPr id="1" name=""/>
+        <p:cNvGrpSpPr/>
+        <p:nvPr/>
+      </p:nvGrpSpPr>
+      <p:grpSpPr>
+        <a:xfrm>
+          <a:off x="0" y="0"/>
+          <a:ext cx="0" cy="0"/>
+          <a:chOff x="0" y="0"/>
+          <a:chExt cx="0" cy="0"/>
+        </a:xfrm>
+      </p:grpSpPr>
+      <p:sp>
+        <p:nvSpPr>
+          <p:cNvPr id="2" name="Заголовок 1">
+            <a:extLst>
+              <a:ext uri="{FF2B5EF4-FFF2-40B4-BE49-F238E27FC236}">
+                <a16:creationId xmlns:a16="http://schemas.microsoft.com/office/drawing/2014/main" id="{81AA39E2-9702-42FA-817C-F6B063B234A0}"/>
+              </a:ext>
+            </a:extLst>
+          </p:cNvPr>
+          <p:cNvSpPr>
+            <a:spLocks noGrp="1"/>
+          </p:cNvSpPr>
+          <p:nvPr>
+            <p:ph type="title"/>
+          </p:nvPr>
+        </p:nvSpPr>
+        <p:spPr>
+          <a:xfrm>
             <a:off x="752474" y="365125"/>
             <a:ext cx="10134601" cy="758825"/>
           </a:xfrm>
@@ -3620,7 +3978,7 @@
         </p:nvSpPr>
         <p:spPr>
           <a:xfrm>
-            <a:off x="752474" y="1554393"/>
+            <a:off x="752474" y="1431301"/>
             <a:ext cx="9906001" cy="4303482"/>
           </a:xfrm>
         </p:spPr>
@@ -5747,13 +6105,13 @@
         </p:nvSpPr>
         <p:spPr>
           <a:xfrm>
-            <a:off x="666750" y="1000125"/>
-            <a:ext cx="10772776" cy="5695950"/>
+            <a:off x="666749" y="1162050"/>
+            <a:ext cx="10675328" cy="3999035"/>
           </a:xfrm>
         </p:spPr>
         <p:txBody>
           <a:bodyPr>
-            <a:normAutofit fontScale="70000" lnSpcReduction="20000"/>
+            <a:normAutofit/>
           </a:bodyPr>
           <a:lstStyle/>
           <a:p>
@@ -5834,266 +6192,6 @@
                 <a:cs typeface="Times New Roman" panose="02020603050405020304" pitchFamily="18" charset="0"/>
               </a:rPr>
               <a:t>Ключевыми факторами популярности оказались принадлежность к определенной сети банков(Росбанк), координаты широты, федеральный округ, является ли город столицей, кол-во жилых зданий вблизи, наличие рядом офисов, банков и магазинов. </a:t>
-            </a:r>
-          </a:p>
-          <a:p>
-            <a:r>
-              <a:rPr lang="ru-RU" dirty="0">
-                <a:latin typeface="Times New Roman" panose="02020603050405020304" pitchFamily="18" charset="0"/>
-                <a:cs typeface="Times New Roman" panose="02020603050405020304" pitchFamily="18" charset="0"/>
-              </a:rPr>
-              <a:t>После обработки </a:t>
-            </a:r>
-            <a:r>
-              <a:rPr lang="ru-RU" dirty="0" err="1">
-                <a:latin typeface="Times New Roman" panose="02020603050405020304" pitchFamily="18" charset="0"/>
-                <a:cs typeface="Times New Roman" panose="02020603050405020304" pitchFamily="18" charset="0"/>
-              </a:rPr>
-              <a:t>мультиколлинеарности</a:t>
-            </a:r>
-            <a:r>
-              <a:rPr lang="ru-RU" dirty="0">
-                <a:latin typeface="Times New Roman" panose="02020603050405020304" pitchFamily="18" charset="0"/>
-                <a:cs typeface="Times New Roman" panose="02020603050405020304" pitchFamily="18" charset="0"/>
-              </a:rPr>
-              <a:t> признаков улучшилось качество моделей линейной регрессии. Это был важный блок в обработке признаков, т.к. наличие </a:t>
-            </a:r>
-            <a:r>
-              <a:rPr lang="ru-RU" dirty="0" err="1">
-                <a:latin typeface="Times New Roman" panose="02020603050405020304" pitchFamily="18" charset="0"/>
-                <a:cs typeface="Times New Roman" panose="02020603050405020304" pitchFamily="18" charset="0"/>
-              </a:rPr>
-              <a:t>линейнозависимых</a:t>
-            </a:r>
-            <a:r>
-              <a:rPr lang="ru-RU" dirty="0">
-                <a:latin typeface="Times New Roman" panose="02020603050405020304" pitchFamily="18" charset="0"/>
-                <a:cs typeface="Times New Roman" panose="02020603050405020304" pitchFamily="18" charset="0"/>
-              </a:rPr>
-              <a:t> признаков давало неустойчивые веса, из-за чего предсказание тоже было нестабильным и давало плохую оценку. </a:t>
-            </a:r>
-          </a:p>
-          <a:p>
-            <a:r>
-              <a:rPr lang="ru-RU" dirty="0">
-                <a:latin typeface="Times New Roman" panose="02020603050405020304" pitchFamily="18" charset="0"/>
-                <a:cs typeface="Times New Roman" panose="02020603050405020304" pitchFamily="18" charset="0"/>
-              </a:rPr>
-              <a:t>Создание дополнительных признаков так же помогло побороться с проблемой </a:t>
-            </a:r>
-            <a:r>
-              <a:rPr lang="ru-RU" dirty="0" err="1">
-                <a:latin typeface="Times New Roman" panose="02020603050405020304" pitchFamily="18" charset="0"/>
-                <a:cs typeface="Times New Roman" panose="02020603050405020304" pitchFamily="18" charset="0"/>
-              </a:rPr>
-              <a:t>мультиколинеарности</a:t>
-            </a:r>
-            <a:r>
-              <a:rPr lang="ru-RU" dirty="0">
-                <a:latin typeface="Times New Roman" panose="02020603050405020304" pitchFamily="18" charset="0"/>
-                <a:cs typeface="Times New Roman" panose="02020603050405020304" pitchFamily="18" charset="0"/>
-              </a:rPr>
-              <a:t>, но при не этом сохранить информацию о наличии объектов рядом.</a:t>
-            </a:r>
-          </a:p>
-          <a:p>
-            <a:r>
-              <a:rPr lang="ru-RU" dirty="0">
-                <a:latin typeface="Times New Roman" panose="02020603050405020304" pitchFamily="18" charset="0"/>
-                <a:cs typeface="Times New Roman" panose="02020603050405020304" pitchFamily="18" charset="0"/>
-              </a:rPr>
-              <a:t>Отбор признаков с помощью </a:t>
-            </a:r>
-            <a:r>
-              <a:rPr lang="en-US" dirty="0" err="1">
-                <a:latin typeface="Times New Roman" panose="02020603050405020304" pitchFamily="18" charset="0"/>
-                <a:cs typeface="Times New Roman" panose="02020603050405020304" pitchFamily="18" charset="0"/>
-              </a:rPr>
-              <a:t>SelectKBest</a:t>
-            </a:r>
-            <a:r>
-              <a:rPr lang="en-US" dirty="0">
-                <a:latin typeface="Times New Roman" panose="02020603050405020304" pitchFamily="18" charset="0"/>
-                <a:cs typeface="Times New Roman" panose="02020603050405020304" pitchFamily="18" charset="0"/>
-              </a:rPr>
-              <a:t>, RFE </a:t>
-            </a:r>
-            <a:r>
-              <a:rPr lang="ru-RU" dirty="0">
-                <a:latin typeface="Times New Roman" panose="02020603050405020304" pitchFamily="18" charset="0"/>
-                <a:cs typeface="Times New Roman" panose="02020603050405020304" pitchFamily="18" charset="0"/>
-              </a:rPr>
-              <a:t>и </a:t>
-            </a:r>
-            <a:r>
-              <a:rPr lang="en-US" dirty="0">
-                <a:latin typeface="Times New Roman" panose="02020603050405020304" pitchFamily="18" charset="0"/>
-                <a:cs typeface="Times New Roman" panose="02020603050405020304" pitchFamily="18" charset="0"/>
-              </a:rPr>
-              <a:t>PCA</a:t>
-            </a:r>
-            <a:r>
-              <a:rPr lang="ru-RU" dirty="0">
-                <a:latin typeface="Times New Roman" panose="02020603050405020304" pitchFamily="18" charset="0"/>
-                <a:cs typeface="Times New Roman" panose="02020603050405020304" pitchFamily="18" charset="0"/>
-              </a:rPr>
-              <a:t> не дал сильных улучшений в качестве. Возможно из-за того что признаков не так много и предварительная обработка уже отсекла какую-то часть. Но удаление 2 признаков с помощью </a:t>
-            </a:r>
-            <a:r>
-              <a:rPr lang="en-US" dirty="0">
-                <a:latin typeface="Times New Roman" panose="02020603050405020304" pitchFamily="18" charset="0"/>
-                <a:cs typeface="Times New Roman" panose="02020603050405020304" pitchFamily="18" charset="0"/>
-              </a:rPr>
-              <a:t>RFE </a:t>
-            </a:r>
-            <a:r>
-              <a:rPr lang="ru-RU" dirty="0">
-                <a:latin typeface="Times New Roman" panose="02020603050405020304" pitchFamily="18" charset="0"/>
-                <a:cs typeface="Times New Roman" panose="02020603050405020304" pitchFamily="18" charset="0"/>
-              </a:rPr>
-              <a:t>все таки дало небольшой прирост в качестве.</a:t>
-            </a:r>
-          </a:p>
-          <a:p>
-            <a:r>
-              <a:rPr lang="ru-RU" dirty="0">
-                <a:latin typeface="Times New Roman" panose="02020603050405020304" pitchFamily="18" charset="0"/>
-                <a:cs typeface="Times New Roman" panose="02020603050405020304" pitchFamily="18" charset="0"/>
-              </a:rPr>
-              <a:t>Важность признака </a:t>
-            </a:r>
-            <a:r>
-              <a:rPr lang="en-US" dirty="0" err="1">
-                <a:latin typeface="Times New Roman" panose="02020603050405020304" pitchFamily="18" charset="0"/>
-                <a:cs typeface="Times New Roman" panose="02020603050405020304" pitchFamily="18" charset="0"/>
-              </a:rPr>
-              <a:t>atm_group</a:t>
-            </a:r>
-            <a:r>
-              <a:rPr lang="en-US" dirty="0">
-                <a:latin typeface="Times New Roman" panose="02020603050405020304" pitchFamily="18" charset="0"/>
-                <a:cs typeface="Times New Roman" panose="02020603050405020304" pitchFamily="18" charset="0"/>
-              </a:rPr>
-              <a:t> </a:t>
-            </a:r>
-            <a:r>
-              <a:rPr lang="ru-RU" dirty="0">
-                <a:latin typeface="Times New Roman" panose="02020603050405020304" pitchFamily="18" charset="0"/>
-                <a:cs typeface="Times New Roman" panose="02020603050405020304" pitchFamily="18" charset="0"/>
-              </a:rPr>
-              <a:t>до конца не удалось побороть. Даже после </a:t>
-            </a:r>
-            <a:r>
-              <a:rPr lang="en-US" dirty="0" err="1">
-                <a:latin typeface="Times New Roman" panose="02020603050405020304" pitchFamily="18" charset="0"/>
-                <a:cs typeface="Times New Roman" panose="02020603050405020304" pitchFamily="18" charset="0"/>
-              </a:rPr>
-              <a:t>TargetEncoder</a:t>
-            </a:r>
-            <a:r>
-              <a:rPr lang="en-US" dirty="0">
-                <a:latin typeface="Times New Roman" panose="02020603050405020304" pitchFamily="18" charset="0"/>
-                <a:cs typeface="Times New Roman" panose="02020603050405020304" pitchFamily="18" charset="0"/>
-              </a:rPr>
-              <a:t>-</a:t>
-            </a:r>
-            <a:r>
-              <a:rPr lang="ru-RU" dirty="0">
-                <a:latin typeface="Times New Roman" panose="02020603050405020304" pitchFamily="18" charset="0"/>
-                <a:cs typeface="Times New Roman" panose="02020603050405020304" pitchFamily="18" charset="0"/>
-              </a:rPr>
-              <a:t>а, сглаживания и </a:t>
-            </a:r>
-            <a:r>
-              <a:rPr lang="en-US" dirty="0">
-                <a:latin typeface="Times New Roman" panose="02020603050405020304" pitchFamily="18" charset="0"/>
-                <a:cs typeface="Times New Roman" panose="02020603050405020304" pitchFamily="18" charset="0"/>
-              </a:rPr>
-              <a:t>Box-Cox-</a:t>
-            </a:r>
-            <a:r>
-              <a:rPr lang="ru-RU" dirty="0">
-                <a:latin typeface="Times New Roman" panose="02020603050405020304" pitchFamily="18" charset="0"/>
-                <a:cs typeface="Times New Roman" panose="02020603050405020304" pitchFamily="18" charset="0"/>
-              </a:rPr>
-              <a:t>а такие модели как </a:t>
-            </a:r>
-            <a:r>
-              <a:rPr lang="en-US" dirty="0" err="1">
-                <a:latin typeface="Times New Roman" panose="02020603050405020304" pitchFamily="18" charset="0"/>
-                <a:cs typeface="Times New Roman" panose="02020603050405020304" pitchFamily="18" charset="0"/>
-              </a:rPr>
-              <a:t>RandomForest</a:t>
-            </a:r>
-            <a:r>
-              <a:rPr lang="en-US" dirty="0">
-                <a:latin typeface="Times New Roman" panose="02020603050405020304" pitchFamily="18" charset="0"/>
-                <a:cs typeface="Times New Roman" panose="02020603050405020304" pitchFamily="18" charset="0"/>
-              </a:rPr>
-              <a:t> </a:t>
-            </a:r>
-            <a:r>
-              <a:rPr lang="ru-RU" dirty="0">
-                <a:latin typeface="Times New Roman" panose="02020603050405020304" pitchFamily="18" charset="0"/>
-                <a:cs typeface="Times New Roman" panose="02020603050405020304" pitchFamily="18" charset="0"/>
-              </a:rPr>
-              <a:t>и другие ансамбли все равно улавливали сильную связь с </a:t>
-            </a:r>
-            <a:r>
-              <a:rPr lang="ru-RU" dirty="0" err="1">
-                <a:latin typeface="Times New Roman" panose="02020603050405020304" pitchFamily="18" charset="0"/>
-                <a:cs typeface="Times New Roman" panose="02020603050405020304" pitchFamily="18" charset="0"/>
-              </a:rPr>
-              <a:t>таргетом</a:t>
-            </a:r>
-            <a:r>
-              <a:rPr lang="ru-RU" dirty="0">
-                <a:latin typeface="Times New Roman" panose="02020603050405020304" pitchFamily="18" charset="0"/>
-                <a:cs typeface="Times New Roman" panose="02020603050405020304" pitchFamily="18" charset="0"/>
-              </a:rPr>
-              <a:t>. Хотя на моделях линейной регрессии удалось уменьшить важность этого признака. Особенно хорошо это получилось у </a:t>
-            </a:r>
-            <a:r>
-              <a:rPr lang="en-US" dirty="0">
-                <a:latin typeface="Times New Roman" panose="02020603050405020304" pitchFamily="18" charset="0"/>
-                <a:cs typeface="Times New Roman" panose="02020603050405020304" pitchFamily="18" charset="0"/>
-              </a:rPr>
-              <a:t>Ridge Regression</a:t>
-            </a:r>
-            <a:r>
-              <a:rPr lang="ru-RU" dirty="0">
-                <a:latin typeface="Times New Roman" panose="02020603050405020304" pitchFamily="18" charset="0"/>
-                <a:cs typeface="Times New Roman" panose="02020603050405020304" pitchFamily="18" charset="0"/>
-              </a:rPr>
-              <a:t>, т.к. в нем участвует </a:t>
-            </a:r>
-            <a:r>
-              <a:rPr lang="en-US" dirty="0">
-                <a:latin typeface="Times New Roman" panose="02020603050405020304" pitchFamily="18" charset="0"/>
-                <a:cs typeface="Times New Roman" panose="02020603050405020304" pitchFamily="18" charset="0"/>
-              </a:rPr>
-              <a:t>L</a:t>
-            </a:r>
-            <a:r>
-              <a:rPr lang="ru-RU" dirty="0">
-                <a:latin typeface="Times New Roman" panose="02020603050405020304" pitchFamily="18" charset="0"/>
-                <a:cs typeface="Times New Roman" panose="02020603050405020304" pitchFamily="18" charset="0"/>
-              </a:rPr>
-              <a:t>2</a:t>
-            </a:r>
-            <a:r>
-              <a:rPr lang="en-US" dirty="0">
-                <a:latin typeface="Times New Roman" panose="02020603050405020304" pitchFamily="18" charset="0"/>
-                <a:cs typeface="Times New Roman" panose="02020603050405020304" pitchFamily="18" charset="0"/>
-              </a:rPr>
-              <a:t> </a:t>
-            </a:r>
-            <a:r>
-              <a:rPr lang="ru-RU" dirty="0">
-                <a:latin typeface="Times New Roman" panose="02020603050405020304" pitchFamily="18" charset="0"/>
-                <a:cs typeface="Times New Roman" panose="02020603050405020304" pitchFamily="18" charset="0"/>
-              </a:rPr>
-              <a:t>регуляризация, которая штрафует большие веса.</a:t>
             </a:r>
           </a:p>
         </p:txBody>
